--- a/02-oo/programming2_inheritance_overriding.pptx
+++ b/02-oo/programming2_inheritance_overriding.pptx
@@ -5,7 +5,7 @@
     <p:sldMasterId id="2147483648" r:id="rId4"/>
   </p:sldMasterIdLst>
   <p:notesMasterIdLst>
-    <p:notesMasterId r:id="rId33"/>
+    <p:notesMasterId r:id="rId30"/>
   </p:notesMasterIdLst>
   <p:sldIdLst>
     <p:sldId id="263" r:id="rId5"/>
@@ -28,14 +28,11 @@
     <p:sldId id="293" r:id="rId22"/>
     <p:sldId id="297" r:id="rId23"/>
     <p:sldId id="284" r:id="rId24"/>
-    <p:sldId id="294" r:id="rId25"/>
-    <p:sldId id="295" r:id="rId26"/>
-    <p:sldId id="296" r:id="rId27"/>
-    <p:sldId id="272" r:id="rId28"/>
-    <p:sldId id="288" r:id="rId29"/>
-    <p:sldId id="290" r:id="rId30"/>
-    <p:sldId id="291" r:id="rId31"/>
-    <p:sldId id="298" r:id="rId32"/>
+    <p:sldId id="272" r:id="rId25"/>
+    <p:sldId id="288" r:id="rId26"/>
+    <p:sldId id="290" r:id="rId27"/>
+    <p:sldId id="291" r:id="rId28"/>
+    <p:sldId id="298" r:id="rId29"/>
   </p:sldIdLst>
   <p:sldSz cx="12192000" cy="6858000"/>
   <p:notesSz cx="6858000" cy="9144000"/>
@@ -707,7 +704,7 @@
           <a:p>
             <a:fld id="{21D4D8AB-82A5-452A-8852-52C8026DDD64}" type="datetimeFigureOut">
               <a:rPr lang="en-US" smtClean="0"/>
-              <a:t>2/12/2023</a:t>
+              <a:t>2/17/2023</a:t>
             </a:fld>
             <a:endParaRPr lang="en-US"/>
           </a:p>
@@ -2053,7 +2050,7 @@
           <a:p>
             <a:fld id="{385D81E3-8A75-42F6-A177-7CFA6F5B4196}" type="slidenum">
               <a:rPr lang="en-US" smtClean="0"/>
-              <a:t>25</a:t>
+              <a:t>22</a:t>
             </a:fld>
             <a:endParaRPr lang="en-US"/>
           </a:p>
@@ -3987,7 +3984,7 @@
           <a:p>
             <a:fld id="{1CD1815E-B49F-43FE-B280-CDF6682C3964}" type="datetimeFigureOut">
               <a:rPr lang="nl-BE" smtClean="0"/>
-              <a:t>12/02/2023</a:t>
+              <a:t>17/02/2023</a:t>
             </a:fld>
             <a:endParaRPr lang="nl-BE"/>
           </a:p>
@@ -4187,7 +4184,7 @@
           <a:p>
             <a:fld id="{1CD1815E-B49F-43FE-B280-CDF6682C3964}" type="datetimeFigureOut">
               <a:rPr lang="nl-BE" smtClean="0"/>
-              <a:t>12/02/2023</a:t>
+              <a:t>17/02/2023</a:t>
             </a:fld>
             <a:endParaRPr lang="nl-BE"/>
           </a:p>
@@ -4397,7 +4394,7 @@
           <a:p>
             <a:fld id="{1CD1815E-B49F-43FE-B280-CDF6682C3964}" type="datetimeFigureOut">
               <a:rPr lang="nl-BE" smtClean="0"/>
-              <a:t>12/02/2023</a:t>
+              <a:t>17/02/2023</a:t>
             </a:fld>
             <a:endParaRPr lang="nl-BE"/>
           </a:p>
@@ -4539,7 +4536,7 @@
           <a:p>
             <a:fld id="{1CD1815E-B49F-43FE-B280-CDF6682C3964}" type="datetimeFigureOut">
               <a:rPr lang="nl-BE" smtClean="0"/>
-              <a:t>12/02/2023</a:t>
+              <a:t>17/02/2023</a:t>
             </a:fld>
             <a:endParaRPr lang="nl-BE"/>
           </a:p>
@@ -4739,7 +4736,7 @@
           <a:p>
             <a:fld id="{1CD1815E-B49F-43FE-B280-CDF6682C3964}" type="datetimeFigureOut">
               <a:rPr lang="nl-BE" smtClean="0"/>
-              <a:t>12/02/2023</a:t>
+              <a:t>17/02/2023</a:t>
             </a:fld>
             <a:endParaRPr lang="nl-BE"/>
           </a:p>
@@ -5015,7 +5012,7 @@
           <a:p>
             <a:fld id="{1CD1815E-B49F-43FE-B280-CDF6682C3964}" type="datetimeFigureOut">
               <a:rPr lang="nl-BE" smtClean="0"/>
-              <a:t>12/02/2023</a:t>
+              <a:t>17/02/2023</a:t>
             </a:fld>
             <a:endParaRPr lang="nl-BE"/>
           </a:p>
@@ -5283,7 +5280,7 @@
           <a:p>
             <a:fld id="{1CD1815E-B49F-43FE-B280-CDF6682C3964}" type="datetimeFigureOut">
               <a:rPr lang="nl-BE" smtClean="0"/>
-              <a:t>12/02/2023</a:t>
+              <a:t>17/02/2023</a:t>
             </a:fld>
             <a:endParaRPr lang="nl-BE"/>
           </a:p>
@@ -5698,7 +5695,7 @@
           <a:p>
             <a:fld id="{1CD1815E-B49F-43FE-B280-CDF6682C3964}" type="datetimeFigureOut">
               <a:rPr lang="nl-BE" smtClean="0"/>
-              <a:t>12/02/2023</a:t>
+              <a:t>17/02/2023</a:t>
             </a:fld>
             <a:endParaRPr lang="nl-BE"/>
           </a:p>
@@ -5840,7 +5837,7 @@
           <a:p>
             <a:fld id="{1CD1815E-B49F-43FE-B280-CDF6682C3964}" type="datetimeFigureOut">
               <a:rPr lang="nl-BE" smtClean="0"/>
-              <a:t>12/02/2023</a:t>
+              <a:t>17/02/2023</a:t>
             </a:fld>
             <a:endParaRPr lang="nl-BE"/>
           </a:p>
@@ -5953,7 +5950,7 @@
           <a:p>
             <a:fld id="{1CD1815E-B49F-43FE-B280-CDF6682C3964}" type="datetimeFigureOut">
               <a:rPr lang="nl-BE" smtClean="0"/>
-              <a:t>12/02/2023</a:t>
+              <a:t>17/02/2023</a:t>
             </a:fld>
             <a:endParaRPr lang="nl-BE"/>
           </a:p>
@@ -6266,7 +6263,7 @@
           <a:p>
             <a:fld id="{1CD1815E-B49F-43FE-B280-CDF6682C3964}" type="datetimeFigureOut">
               <a:rPr lang="nl-BE" smtClean="0"/>
-              <a:t>12/02/2023</a:t>
+              <a:t>17/02/2023</a:t>
             </a:fld>
             <a:endParaRPr lang="nl-BE"/>
           </a:p>
@@ -6509,7 +6506,7 @@
           <a:p>
             <a:fld id="{1CD1815E-B49F-43FE-B280-CDF6682C3964}" type="datetimeFigureOut">
               <a:rPr lang="nl-BE" smtClean="0"/>
-              <a:t>12/02/2023</a:t>
+              <a:t>17/02/2023</a:t>
             </a:fld>
             <a:endParaRPr lang="nl-BE"/>
           </a:p>
@@ -7644,7 +7641,7 @@
           </a:ln>
           <a:extLst>
             <a:ext uri="{C572A759-6A51-4108-AA02-DFA0A04FC94B}">
-              <ma14:wrappingTextBoxFlag xmlns="" xmlns:ma14="http://schemas.microsoft.com/office/mac/drawingml/2011/main" val="1"/>
+              <ma14:wrappingTextBoxFlag xmlns:ma14="http://schemas.microsoft.com/office/mac/drawingml/2011/main" xmlns="" val="1"/>
             </a:ext>
           </a:extLst>
         </p:spPr>
@@ -9441,29 +9438,6 @@
           </a:p>
           <a:p>
             <a:r>
-              <a:rPr lang="nl-BE" dirty="0">
-                <a:solidFill>
-                  <a:schemeClr val="bg2">
-                    <a:lumMod val="90000"/>
-                  </a:schemeClr>
-                </a:solidFill>
-              </a:rPr>
-              <a:t>Multiple </a:t>
-            </a:r>
-            <a:r>
-              <a:rPr lang="nl-BE" dirty="0" err="1">
-                <a:solidFill>
-                  <a:schemeClr val="bg2">
-                    <a:lumMod val="90000"/>
-                  </a:schemeClr>
-                </a:solidFill>
-              </a:rPr>
-              <a:t>inheritance</a:t>
-            </a:r>
-            <a:endParaRPr lang="nl-BE" dirty="0"/>
-          </a:p>
-          <a:p>
-            <a:r>
               <a:rPr lang="nl-BE" dirty="0" err="1">
                 <a:solidFill>
                   <a:schemeClr val="bg2">
@@ -10347,7 +10321,7 @@
           </a:ln>
           <a:extLst>
             <a:ext uri="{C572A759-6A51-4108-AA02-DFA0A04FC94B}">
-              <ma14:wrappingTextBoxFlag xmlns="" xmlns:ma14="http://schemas.microsoft.com/office/mac/drawingml/2011/main" val="1"/>
+              <ma14:wrappingTextBoxFlag xmlns:ma14="http://schemas.microsoft.com/office/mac/drawingml/2011/main" xmlns="" val="1"/>
             </a:ext>
           </a:extLst>
         </p:spPr>
@@ -10687,7 +10661,7 @@
           </a:ln>
           <a:extLst>
             <a:ext uri="{C572A759-6A51-4108-AA02-DFA0A04FC94B}">
-              <ma14:wrappingTextBoxFlag xmlns="" xmlns:ma14="http://schemas.microsoft.com/office/mac/drawingml/2011/main" val="1"/>
+              <ma14:wrappingTextBoxFlag xmlns:ma14="http://schemas.microsoft.com/office/mac/drawingml/2011/main" xmlns="" val="1"/>
             </a:ext>
           </a:extLst>
         </p:spPr>
@@ -11350,7 +11324,7 @@
           </a:ln>
           <a:extLst>
             <a:ext uri="{C572A759-6A51-4108-AA02-DFA0A04FC94B}">
-              <ma14:wrappingTextBoxFlag xmlns="" xmlns:ma14="http://schemas.microsoft.com/office/mac/drawingml/2011/main" val="1"/>
+              <ma14:wrappingTextBoxFlag xmlns:ma14="http://schemas.microsoft.com/office/mac/drawingml/2011/main" xmlns="" val="1"/>
             </a:ext>
           </a:extLst>
         </p:spPr>
@@ -11690,7 +11664,7 @@
           </a:ln>
           <a:extLst>
             <a:ext uri="{C572A759-6A51-4108-AA02-DFA0A04FC94B}">
-              <ma14:wrappingTextBoxFlag xmlns="" xmlns:ma14="http://schemas.microsoft.com/office/mac/drawingml/2011/main" val="1"/>
+              <ma14:wrappingTextBoxFlag xmlns:ma14="http://schemas.microsoft.com/office/mac/drawingml/2011/main" xmlns="" val="1"/>
             </a:ext>
           </a:extLst>
         </p:spPr>
@@ -12335,7 +12309,7 @@
           </a:ln>
           <a:extLst>
             <a:ext uri="{C572A759-6A51-4108-AA02-DFA0A04FC94B}">
-              <ma14:wrappingTextBoxFlag xmlns="" xmlns:ma14="http://schemas.microsoft.com/office/mac/drawingml/2011/main" val="1"/>
+              <ma14:wrappingTextBoxFlag xmlns:ma14="http://schemas.microsoft.com/office/mac/drawingml/2011/main" xmlns="" val="1"/>
             </a:ext>
           </a:extLst>
         </p:spPr>
@@ -13480,7 +13454,7 @@
           </a:ln>
           <a:extLst>
             <a:ext uri="{C572A759-6A51-4108-AA02-DFA0A04FC94B}">
-              <ma14:wrappingTextBoxFlag xmlns:ma14="http://schemas.microsoft.com/office/mac/drawingml/2011/main" xmlns="" val="1"/>
+              <ma14:wrappingTextBoxFlag xmlns="" xmlns:ma14="http://schemas.microsoft.com/office/mac/drawingml/2011/main" val="1"/>
             </a:ext>
           </a:extLst>
         </p:spPr>
@@ -13820,7 +13794,7 @@
           </a:ln>
           <a:extLst>
             <a:ext uri="{C572A759-6A51-4108-AA02-DFA0A04FC94B}">
-              <ma14:wrappingTextBoxFlag xmlns:ma14="http://schemas.microsoft.com/office/mac/drawingml/2011/main" xmlns="" val="1"/>
+              <ma14:wrappingTextBoxFlag xmlns="" xmlns:ma14="http://schemas.microsoft.com/office/mac/drawingml/2011/main" val="1"/>
             </a:ext>
           </a:extLst>
         </p:spPr>
@@ -14483,7 +14457,7 @@
           </a:ln>
           <a:extLst>
             <a:ext uri="{C572A759-6A51-4108-AA02-DFA0A04FC94B}">
-              <ma14:wrappingTextBoxFlag xmlns:ma14="http://schemas.microsoft.com/office/mac/drawingml/2011/main" xmlns="" val="1"/>
+              <ma14:wrappingTextBoxFlag xmlns="" xmlns:ma14="http://schemas.microsoft.com/office/mac/drawingml/2011/main" val="1"/>
             </a:ext>
           </a:extLst>
         </p:spPr>
@@ -14823,7 +14797,7 @@
           </a:ln>
           <a:extLst>
             <a:ext uri="{C572A759-6A51-4108-AA02-DFA0A04FC94B}">
-              <ma14:wrappingTextBoxFlag xmlns:ma14="http://schemas.microsoft.com/office/mac/drawingml/2011/main" xmlns="" val="1"/>
+              <ma14:wrappingTextBoxFlag xmlns="" xmlns:ma14="http://schemas.microsoft.com/office/mac/drawingml/2011/main" val="1"/>
             </a:ext>
           </a:extLst>
         </p:spPr>
@@ -15468,7 +15442,7 @@
           </a:ln>
           <a:extLst>
             <a:ext uri="{C572A759-6A51-4108-AA02-DFA0A04FC94B}">
-              <ma14:wrappingTextBoxFlag xmlns:ma14="http://schemas.microsoft.com/office/mac/drawingml/2011/main" xmlns="" val="1"/>
+              <ma14:wrappingTextBoxFlag xmlns="" xmlns:ma14="http://schemas.microsoft.com/office/mac/drawingml/2011/main" val="1"/>
             </a:ext>
           </a:extLst>
         </p:spPr>
@@ -15804,7 +15778,7 @@
           </a:ln>
           <a:extLst>
             <a:ext uri="{C572A759-6A51-4108-AA02-DFA0A04FC94B}">
-              <ma14:wrappingTextBoxFlag xmlns="" xmlns:ma14="http://schemas.microsoft.com/office/mac/drawingml/2011/main" val="1"/>
+              <ma14:wrappingTextBoxFlag xmlns:ma14="http://schemas.microsoft.com/office/mac/drawingml/2011/main" xmlns="" val="1"/>
             </a:ext>
           </a:extLst>
         </p:spPr>
@@ -16124,7 +16098,7 @@
           </a:ln>
           <a:extLst>
             <a:ext uri="{C572A759-6A51-4108-AA02-DFA0A04FC94B}">
-              <ma14:wrappingTextBoxFlag xmlns="" xmlns:ma14="http://schemas.microsoft.com/office/mac/drawingml/2011/main" val="1"/>
+              <ma14:wrappingTextBoxFlag xmlns:ma14="http://schemas.microsoft.com/office/mac/drawingml/2011/main" xmlns="" val="1"/>
             </a:ext>
           </a:extLst>
         </p:spPr>
@@ -17742,7 +17716,7 @@
           </a:ln>
           <a:extLst>
             <a:ext uri="{C572A759-6A51-4108-AA02-DFA0A04FC94B}">
-              <ma14:wrappingTextBoxFlag xmlns="" xmlns:ma14="http://schemas.microsoft.com/office/mac/drawingml/2011/main" val="1"/>
+              <ma14:wrappingTextBoxFlag xmlns:ma14="http://schemas.microsoft.com/office/mac/drawingml/2011/main" xmlns="" val="1"/>
             </a:ext>
           </a:extLst>
         </p:spPr>
@@ -18244,7 +18218,7 @@
           </a:ln>
           <a:extLst>
             <a:ext uri="{C572A759-6A51-4108-AA02-DFA0A04FC94B}">
-              <ma14:wrappingTextBoxFlag xmlns="" xmlns:ma14="http://schemas.microsoft.com/office/mac/drawingml/2011/main" val="1"/>
+              <ma14:wrappingTextBoxFlag xmlns:ma14="http://schemas.microsoft.com/office/mac/drawingml/2011/main" xmlns="" val="1"/>
             </a:ext>
           </a:extLst>
         </p:spPr>
@@ -18584,7 +18558,7 @@
           </a:ln>
           <a:extLst>
             <a:ext uri="{C572A759-6A51-4108-AA02-DFA0A04FC94B}">
-              <ma14:wrappingTextBoxFlag xmlns="" xmlns:ma14="http://schemas.microsoft.com/office/mac/drawingml/2011/main" val="1"/>
+              <ma14:wrappingTextBoxFlag xmlns:ma14="http://schemas.microsoft.com/office/mac/drawingml/2011/main" xmlns="" val="1"/>
             </a:ext>
           </a:extLst>
         </p:spPr>
@@ -19733,7 +19707,7 @@
           </a:ln>
           <a:extLst>
             <a:ext uri="{C572A759-6A51-4108-AA02-DFA0A04FC94B}">
-              <ma14:wrappingTextBoxFlag xmlns="" xmlns:ma14="http://schemas.microsoft.com/office/mac/drawingml/2011/main" val="1"/>
+              <ma14:wrappingTextBoxFlag xmlns:ma14="http://schemas.microsoft.com/office/mac/drawingml/2011/main" xmlns="" val="1"/>
             </a:ext>
           </a:extLst>
         </p:spPr>
@@ -20441,7 +20415,7 @@
           </a:ln>
           <a:extLst>
             <a:ext uri="{C572A759-6A51-4108-AA02-DFA0A04FC94B}">
-              <ma14:wrappingTextBoxFlag xmlns="" xmlns:ma14="http://schemas.microsoft.com/office/mac/drawingml/2011/main" val="1"/>
+              <ma14:wrappingTextBoxFlag xmlns:ma14="http://schemas.microsoft.com/office/mac/drawingml/2011/main" xmlns="" val="1"/>
             </a:ext>
           </a:extLst>
         </p:spPr>
@@ -20781,7 +20755,7 @@
           </a:ln>
           <a:extLst>
             <a:ext uri="{C572A759-6A51-4108-AA02-DFA0A04FC94B}">
-              <ma14:wrappingTextBoxFlag xmlns="" xmlns:ma14="http://schemas.microsoft.com/office/mac/drawingml/2011/main" val="1"/>
+              <ma14:wrappingTextBoxFlag xmlns:ma14="http://schemas.microsoft.com/office/mac/drawingml/2011/main" xmlns="" val="1"/>
             </a:ext>
           </a:extLst>
         </p:spPr>
@@ -21938,7 +21912,7 @@
           </a:ln>
           <a:extLst>
             <a:ext uri="{C572A759-6A51-4108-AA02-DFA0A04FC94B}">
-              <ma14:wrappingTextBoxFlag xmlns="" xmlns:ma14="http://schemas.microsoft.com/office/mac/drawingml/2011/main" val="1"/>
+              <ma14:wrappingTextBoxFlag xmlns:ma14="http://schemas.microsoft.com/office/mac/drawingml/2011/main" xmlns="" val="1"/>
             </a:ext>
           </a:extLst>
         </p:spPr>
@@ -22646,7 +22620,7 @@
           </a:ln>
           <a:extLst>
             <a:ext uri="{C572A759-6A51-4108-AA02-DFA0A04FC94B}">
-              <ma14:wrappingTextBoxFlag xmlns="" xmlns:ma14="http://schemas.microsoft.com/office/mac/drawingml/2011/main" val="1"/>
+              <ma14:wrappingTextBoxFlag xmlns:ma14="http://schemas.microsoft.com/office/mac/drawingml/2011/main" xmlns="" val="1"/>
             </a:ext>
           </a:extLst>
         </p:spPr>
@@ -22986,7 +22960,7 @@
           </a:ln>
           <a:extLst>
             <a:ext uri="{C572A759-6A51-4108-AA02-DFA0A04FC94B}">
-              <ma14:wrappingTextBoxFlag xmlns="" xmlns:ma14="http://schemas.microsoft.com/office/mac/drawingml/2011/main" val="1"/>
+              <ma14:wrappingTextBoxFlag xmlns:ma14="http://schemas.microsoft.com/office/mac/drawingml/2011/main" xmlns="" val="1"/>
             </a:ext>
           </a:extLst>
         </p:spPr>
@@ -23406,7 +23380,7 @@
           </a:ln>
           <a:extLst>
             <a:ext uri="{C572A759-6A51-4108-AA02-DFA0A04FC94B}">
-              <ma14:wrappingTextBoxFlag xmlns="" xmlns:ma14="http://schemas.microsoft.com/office/mac/drawingml/2011/main" val="1"/>
+              <ma14:wrappingTextBoxFlag xmlns:ma14="http://schemas.microsoft.com/office/mac/drawingml/2011/main" xmlns="" val="1"/>
             </a:ext>
           </a:extLst>
         </p:spPr>
@@ -25026,2622 +25000,6 @@
           </a:p>
           <a:p>
             <a:r>
-              <a:rPr lang="nl-BE" dirty="0"/>
-              <a:t>Multiple </a:t>
-            </a:r>
-            <a:r>
-              <a:rPr lang="nl-BE" dirty="0" err="1"/>
-              <a:t>inheritance</a:t>
-            </a:r>
-            <a:endParaRPr lang="nl-BE" dirty="0"/>
-          </a:p>
-          <a:p>
-            <a:r>
-              <a:rPr lang="nl-BE" dirty="0" err="1">
-                <a:solidFill>
-                  <a:schemeClr val="bg2"/>
-                </a:solidFill>
-              </a:rPr>
-              <a:t>What</a:t>
-            </a:r>
-            <a:r>
-              <a:rPr lang="nl-BE" dirty="0">
-                <a:solidFill>
-                  <a:schemeClr val="bg2"/>
-                </a:solidFill>
-              </a:rPr>
-              <a:t> is </a:t>
-            </a:r>
-            <a:r>
-              <a:rPr lang="nl-BE" dirty="0" err="1">
-                <a:solidFill>
-                  <a:schemeClr val="bg2"/>
-                </a:solidFill>
-              </a:rPr>
-              <a:t>overriding</a:t>
-            </a:r>
-            <a:r>
-              <a:rPr lang="nl-BE" dirty="0">
-                <a:solidFill>
-                  <a:schemeClr val="bg2"/>
-                </a:solidFill>
-              </a:rPr>
-              <a:t>?</a:t>
-            </a:r>
-          </a:p>
-        </p:txBody>
-      </p:sp>
-    </p:spTree>
-    <p:extLst>
-      <p:ext uri="{BB962C8B-B14F-4D97-AF65-F5344CB8AC3E}">
-        <p14:creationId xmlns:p14="http://schemas.microsoft.com/office/powerpoint/2010/main" val="899202760"/>
-      </p:ext>
-    </p:extLst>
-  </p:cSld>
-  <p:clrMapOvr>
-    <a:masterClrMapping/>
-  </p:clrMapOvr>
-</p:sld>
-</file>
-
-<file path=ppt/slides/slide22.xml><?xml version="1.0" encoding="utf-8"?>
-<p:sld xmlns:a="http://schemas.openxmlformats.org/drawingml/2006/main" xmlns:r="http://schemas.openxmlformats.org/officeDocument/2006/relationships" xmlns:p="http://schemas.openxmlformats.org/presentationml/2006/main">
-  <p:cSld>
-    <p:spTree>
-      <p:nvGrpSpPr>
-        <p:cNvPr id="1" name=""/>
-        <p:cNvGrpSpPr/>
-        <p:nvPr/>
-      </p:nvGrpSpPr>
-      <p:grpSpPr>
-        <a:xfrm>
-          <a:off x="0" y="0"/>
-          <a:ext cx="0" cy="0"/>
-          <a:chOff x="0" y="0"/>
-          <a:chExt cx="0" cy="0"/>
-        </a:xfrm>
-      </p:grpSpPr>
-      <p:sp>
-        <p:nvSpPr>
-          <p:cNvPr id="2" name="Title 1">
-            <a:extLst>
-              <a:ext uri="{FF2B5EF4-FFF2-40B4-BE49-F238E27FC236}">
-                <a16:creationId xmlns:a16="http://schemas.microsoft.com/office/drawing/2014/main" id="{30AF865A-8181-4DAA-A1EF-5D642527395C}"/>
-              </a:ext>
-            </a:extLst>
-          </p:cNvPr>
-          <p:cNvSpPr>
-            <a:spLocks noGrp="1"/>
-          </p:cNvSpPr>
-          <p:nvPr>
-            <p:ph type="title"/>
-          </p:nvPr>
-        </p:nvSpPr>
-        <p:spPr/>
-        <p:txBody>
-          <a:bodyPr/>
-          <a:lstStyle/>
-          <a:p>
-            <a:r>
-              <a:rPr lang="en-US" b="1" i="0" dirty="0">
-                <a:solidFill>
-                  <a:srgbClr val="404040"/>
-                </a:solidFill>
-                <a:effectLst/>
-                <a:latin typeface="Roboto Slab" pitchFamily="2" charset="0"/>
-              </a:rPr>
-              <a:t>Multiple inheritance </a:t>
-            </a:r>
-            <a:endParaRPr lang="en-US" b="1" dirty="0"/>
-          </a:p>
-        </p:txBody>
-      </p:sp>
-      <p:sp>
-        <p:nvSpPr>
-          <p:cNvPr id="3" name="Text Placeholder 2">
-            <a:extLst>
-              <a:ext uri="{FF2B5EF4-FFF2-40B4-BE49-F238E27FC236}">
-                <a16:creationId xmlns:a16="http://schemas.microsoft.com/office/drawing/2014/main" id="{3FF93CCA-E9DD-47C9-8EE0-1190EA64BA3D}"/>
-              </a:ext>
-            </a:extLst>
-          </p:cNvPr>
-          <p:cNvSpPr txBox="1">
-            <a:spLocks/>
-          </p:cNvSpPr>
-          <p:nvPr/>
-        </p:nvSpPr>
-        <p:spPr>
-          <a:xfrm>
-            <a:off x="838200" y="1690688"/>
-            <a:ext cx="9948334" cy="5032375"/>
-          </a:xfrm>
-          <a:prstGeom prst="rect">
-            <a:avLst/>
-          </a:prstGeom>
-        </p:spPr>
-        <p:txBody>
-          <a:bodyPr>
-            <a:normAutofit/>
-          </a:bodyPr>
-          <a:lstStyle>
-            <a:lvl1pPr marL="228600" indent="-228600" algn="l" defTabSz="914400" rtl="0" eaLnBrk="1" latinLnBrk="0" hangingPunct="1">
-              <a:lnSpc>
-                <a:spcPct val="90000"/>
-              </a:lnSpc>
-              <a:spcBef>
-                <a:spcPts val="1000"/>
-              </a:spcBef>
-              <a:buFont typeface="Arial" panose="020B0604020202020204" pitchFamily="34" charset="0"/>
-              <a:buChar char="•"/>
-              <a:defRPr sz="2800" kern="1200">
-                <a:solidFill>
-                  <a:schemeClr val="tx1"/>
-                </a:solidFill>
-                <a:latin typeface="+mn-lt"/>
-                <a:ea typeface="+mn-ea"/>
-                <a:cs typeface="+mn-cs"/>
-              </a:defRPr>
-            </a:lvl1pPr>
-            <a:lvl2pPr marL="685800" indent="-228600" algn="l" defTabSz="914400" rtl="0" eaLnBrk="1" latinLnBrk="0" hangingPunct="1">
-              <a:lnSpc>
-                <a:spcPct val="90000"/>
-              </a:lnSpc>
-              <a:spcBef>
-                <a:spcPts val="500"/>
-              </a:spcBef>
-              <a:buFont typeface="Arial" panose="020B0604020202020204" pitchFamily="34" charset="0"/>
-              <a:buChar char="•"/>
-              <a:defRPr sz="2400" kern="1200">
-                <a:solidFill>
-                  <a:schemeClr val="tx1"/>
-                </a:solidFill>
-                <a:latin typeface="+mn-lt"/>
-                <a:ea typeface="+mn-ea"/>
-                <a:cs typeface="+mn-cs"/>
-              </a:defRPr>
-            </a:lvl2pPr>
-            <a:lvl3pPr marL="1143000" indent="-228600" algn="l" defTabSz="914400" rtl="0" eaLnBrk="1" latinLnBrk="0" hangingPunct="1">
-              <a:lnSpc>
-                <a:spcPct val="90000"/>
-              </a:lnSpc>
-              <a:spcBef>
-                <a:spcPts val="500"/>
-              </a:spcBef>
-              <a:buFont typeface="Arial" panose="020B0604020202020204" pitchFamily="34" charset="0"/>
-              <a:buChar char="•"/>
-              <a:defRPr sz="2000" kern="1200">
-                <a:solidFill>
-                  <a:schemeClr val="tx1"/>
-                </a:solidFill>
-                <a:latin typeface="+mn-lt"/>
-                <a:ea typeface="+mn-ea"/>
-                <a:cs typeface="+mn-cs"/>
-              </a:defRPr>
-            </a:lvl3pPr>
-            <a:lvl4pPr marL="1600200" indent="-228600" algn="l" defTabSz="914400" rtl="0" eaLnBrk="1" latinLnBrk="0" hangingPunct="1">
-              <a:lnSpc>
-                <a:spcPct val="90000"/>
-              </a:lnSpc>
-              <a:spcBef>
-                <a:spcPts val="500"/>
-              </a:spcBef>
-              <a:buFont typeface="Arial" panose="020B0604020202020204" pitchFamily="34" charset="0"/>
-              <a:buChar char="•"/>
-              <a:defRPr sz="1800" kern="1200">
-                <a:solidFill>
-                  <a:schemeClr val="tx1"/>
-                </a:solidFill>
-                <a:latin typeface="+mn-lt"/>
-                <a:ea typeface="+mn-ea"/>
-                <a:cs typeface="+mn-cs"/>
-              </a:defRPr>
-            </a:lvl4pPr>
-            <a:lvl5pPr marL="2057400" indent="-228600" algn="l" defTabSz="914400" rtl="0" eaLnBrk="1" latinLnBrk="0" hangingPunct="1">
-              <a:lnSpc>
-                <a:spcPct val="90000"/>
-              </a:lnSpc>
-              <a:spcBef>
-                <a:spcPts val="500"/>
-              </a:spcBef>
-              <a:buFont typeface="Arial" panose="020B0604020202020204" pitchFamily="34" charset="0"/>
-              <a:buChar char="•"/>
-              <a:defRPr sz="1800" kern="1200">
-                <a:solidFill>
-                  <a:schemeClr val="tx1"/>
-                </a:solidFill>
-                <a:latin typeface="+mn-lt"/>
-                <a:ea typeface="+mn-ea"/>
-                <a:cs typeface="+mn-cs"/>
-              </a:defRPr>
-            </a:lvl5pPr>
-            <a:lvl6pPr marL="2514600" indent="-228600" algn="l" defTabSz="914400" rtl="0" eaLnBrk="1" latinLnBrk="0" hangingPunct="1">
-              <a:lnSpc>
-                <a:spcPct val="90000"/>
-              </a:lnSpc>
-              <a:spcBef>
-                <a:spcPts val="500"/>
-              </a:spcBef>
-              <a:buFont typeface="Arial" panose="020B0604020202020204" pitchFamily="34" charset="0"/>
-              <a:buChar char="•"/>
-              <a:defRPr sz="1800" kern="1200">
-                <a:solidFill>
-                  <a:schemeClr val="tx1"/>
-                </a:solidFill>
-                <a:latin typeface="+mn-lt"/>
-                <a:ea typeface="+mn-ea"/>
-                <a:cs typeface="+mn-cs"/>
-              </a:defRPr>
-            </a:lvl6pPr>
-            <a:lvl7pPr marL="2971800" indent="-228600" algn="l" defTabSz="914400" rtl="0" eaLnBrk="1" latinLnBrk="0" hangingPunct="1">
-              <a:lnSpc>
-                <a:spcPct val="90000"/>
-              </a:lnSpc>
-              <a:spcBef>
-                <a:spcPts val="500"/>
-              </a:spcBef>
-              <a:buFont typeface="Arial" panose="020B0604020202020204" pitchFamily="34" charset="0"/>
-              <a:buChar char="•"/>
-              <a:defRPr sz="1800" kern="1200">
-                <a:solidFill>
-                  <a:schemeClr val="tx1"/>
-                </a:solidFill>
-                <a:latin typeface="+mn-lt"/>
-                <a:ea typeface="+mn-ea"/>
-                <a:cs typeface="+mn-cs"/>
-              </a:defRPr>
-            </a:lvl7pPr>
-            <a:lvl8pPr marL="3429000" indent="-228600" algn="l" defTabSz="914400" rtl="0" eaLnBrk="1" latinLnBrk="0" hangingPunct="1">
-              <a:lnSpc>
-                <a:spcPct val="90000"/>
-              </a:lnSpc>
-              <a:spcBef>
-                <a:spcPts val="500"/>
-              </a:spcBef>
-              <a:buFont typeface="Arial" panose="020B0604020202020204" pitchFamily="34" charset="0"/>
-              <a:buChar char="•"/>
-              <a:defRPr sz="1800" kern="1200">
-                <a:solidFill>
-                  <a:schemeClr val="tx1"/>
-                </a:solidFill>
-                <a:latin typeface="+mn-lt"/>
-                <a:ea typeface="+mn-ea"/>
-                <a:cs typeface="+mn-cs"/>
-              </a:defRPr>
-            </a:lvl8pPr>
-            <a:lvl9pPr marL="3886200" indent="-228600" algn="l" defTabSz="914400" rtl="0" eaLnBrk="1" latinLnBrk="0" hangingPunct="1">
-              <a:lnSpc>
-                <a:spcPct val="90000"/>
-              </a:lnSpc>
-              <a:spcBef>
-                <a:spcPts val="500"/>
-              </a:spcBef>
-              <a:buFont typeface="Arial" panose="020B0604020202020204" pitchFamily="34" charset="0"/>
-              <a:buChar char="•"/>
-              <a:defRPr sz="1800" kern="1200">
-                <a:solidFill>
-                  <a:schemeClr val="tx1"/>
-                </a:solidFill>
-                <a:latin typeface="+mn-lt"/>
-                <a:ea typeface="+mn-ea"/>
-                <a:cs typeface="+mn-cs"/>
-              </a:defRPr>
-            </a:lvl9pPr>
-          </a:lstStyle>
-          <a:p>
-            <a:endParaRPr lang="nl-BE" dirty="0"/>
-          </a:p>
-        </p:txBody>
-      </p:sp>
-      <p:sp>
-        <p:nvSpPr>
-          <p:cNvPr id="6" name="Text Placeholder 2">
-            <a:extLst>
-              <a:ext uri="{FF2B5EF4-FFF2-40B4-BE49-F238E27FC236}">
-                <a16:creationId xmlns:a16="http://schemas.microsoft.com/office/drawing/2014/main" id="{E9712E0A-F845-4FDC-9545-35166028D1F9}"/>
-              </a:ext>
-            </a:extLst>
-          </p:cNvPr>
-          <p:cNvSpPr txBox="1">
-            <a:spLocks/>
-          </p:cNvSpPr>
-          <p:nvPr/>
-        </p:nvSpPr>
-        <p:spPr>
-          <a:xfrm>
-            <a:off x="990600" y="1843087"/>
-            <a:ext cx="6890809" cy="4879975"/>
-          </a:xfrm>
-          <a:prstGeom prst="rect">
-            <a:avLst/>
-          </a:prstGeom>
-        </p:spPr>
-        <p:txBody>
-          <a:bodyPr>
-            <a:normAutofit/>
-          </a:bodyPr>
-          <a:lstStyle>
-            <a:lvl1pPr marL="228600" indent="-228600" algn="l" defTabSz="914400" rtl="0" eaLnBrk="1" latinLnBrk="0" hangingPunct="1">
-              <a:lnSpc>
-                <a:spcPct val="90000"/>
-              </a:lnSpc>
-              <a:spcBef>
-                <a:spcPts val="1000"/>
-              </a:spcBef>
-              <a:buFont typeface="Arial" panose="020B0604020202020204" pitchFamily="34" charset="0"/>
-              <a:buChar char="•"/>
-              <a:defRPr sz="2800" kern="1200">
-                <a:solidFill>
-                  <a:schemeClr val="tx1"/>
-                </a:solidFill>
-                <a:latin typeface="+mn-lt"/>
-                <a:ea typeface="+mn-ea"/>
-                <a:cs typeface="+mn-cs"/>
-              </a:defRPr>
-            </a:lvl1pPr>
-            <a:lvl2pPr marL="685800" indent="-228600" algn="l" defTabSz="914400" rtl="0" eaLnBrk="1" latinLnBrk="0" hangingPunct="1">
-              <a:lnSpc>
-                <a:spcPct val="90000"/>
-              </a:lnSpc>
-              <a:spcBef>
-                <a:spcPts val="500"/>
-              </a:spcBef>
-              <a:buFont typeface="Arial" panose="020B0604020202020204" pitchFamily="34" charset="0"/>
-              <a:buChar char="•"/>
-              <a:defRPr sz="2400" kern="1200">
-                <a:solidFill>
-                  <a:schemeClr val="tx1"/>
-                </a:solidFill>
-                <a:latin typeface="+mn-lt"/>
-                <a:ea typeface="+mn-ea"/>
-                <a:cs typeface="+mn-cs"/>
-              </a:defRPr>
-            </a:lvl2pPr>
-            <a:lvl3pPr marL="1143000" indent="-228600" algn="l" defTabSz="914400" rtl="0" eaLnBrk="1" latinLnBrk="0" hangingPunct="1">
-              <a:lnSpc>
-                <a:spcPct val="90000"/>
-              </a:lnSpc>
-              <a:spcBef>
-                <a:spcPts val="500"/>
-              </a:spcBef>
-              <a:buFont typeface="Arial" panose="020B0604020202020204" pitchFamily="34" charset="0"/>
-              <a:buChar char="•"/>
-              <a:defRPr sz="2000" kern="1200">
-                <a:solidFill>
-                  <a:schemeClr val="tx1"/>
-                </a:solidFill>
-                <a:latin typeface="+mn-lt"/>
-                <a:ea typeface="+mn-ea"/>
-                <a:cs typeface="+mn-cs"/>
-              </a:defRPr>
-            </a:lvl3pPr>
-            <a:lvl4pPr marL="1600200" indent="-228600" algn="l" defTabSz="914400" rtl="0" eaLnBrk="1" latinLnBrk="0" hangingPunct="1">
-              <a:lnSpc>
-                <a:spcPct val="90000"/>
-              </a:lnSpc>
-              <a:spcBef>
-                <a:spcPts val="500"/>
-              </a:spcBef>
-              <a:buFont typeface="Arial" panose="020B0604020202020204" pitchFamily="34" charset="0"/>
-              <a:buChar char="•"/>
-              <a:defRPr sz="1800" kern="1200">
-                <a:solidFill>
-                  <a:schemeClr val="tx1"/>
-                </a:solidFill>
-                <a:latin typeface="+mn-lt"/>
-                <a:ea typeface="+mn-ea"/>
-                <a:cs typeface="+mn-cs"/>
-              </a:defRPr>
-            </a:lvl4pPr>
-            <a:lvl5pPr marL="2057400" indent="-228600" algn="l" defTabSz="914400" rtl="0" eaLnBrk="1" latinLnBrk="0" hangingPunct="1">
-              <a:lnSpc>
-                <a:spcPct val="90000"/>
-              </a:lnSpc>
-              <a:spcBef>
-                <a:spcPts val="500"/>
-              </a:spcBef>
-              <a:buFont typeface="Arial" panose="020B0604020202020204" pitchFamily="34" charset="0"/>
-              <a:buChar char="•"/>
-              <a:defRPr sz="1800" kern="1200">
-                <a:solidFill>
-                  <a:schemeClr val="tx1"/>
-                </a:solidFill>
-                <a:latin typeface="+mn-lt"/>
-                <a:ea typeface="+mn-ea"/>
-                <a:cs typeface="+mn-cs"/>
-              </a:defRPr>
-            </a:lvl5pPr>
-            <a:lvl6pPr marL="2514600" indent="-228600" algn="l" defTabSz="914400" rtl="0" eaLnBrk="1" latinLnBrk="0" hangingPunct="1">
-              <a:lnSpc>
-                <a:spcPct val="90000"/>
-              </a:lnSpc>
-              <a:spcBef>
-                <a:spcPts val="500"/>
-              </a:spcBef>
-              <a:buFont typeface="Arial" panose="020B0604020202020204" pitchFamily="34" charset="0"/>
-              <a:buChar char="•"/>
-              <a:defRPr sz="1800" kern="1200">
-                <a:solidFill>
-                  <a:schemeClr val="tx1"/>
-                </a:solidFill>
-                <a:latin typeface="+mn-lt"/>
-                <a:ea typeface="+mn-ea"/>
-                <a:cs typeface="+mn-cs"/>
-              </a:defRPr>
-            </a:lvl6pPr>
-            <a:lvl7pPr marL="2971800" indent="-228600" algn="l" defTabSz="914400" rtl="0" eaLnBrk="1" latinLnBrk="0" hangingPunct="1">
-              <a:lnSpc>
-                <a:spcPct val="90000"/>
-              </a:lnSpc>
-              <a:spcBef>
-                <a:spcPts val="500"/>
-              </a:spcBef>
-              <a:buFont typeface="Arial" panose="020B0604020202020204" pitchFamily="34" charset="0"/>
-              <a:buChar char="•"/>
-              <a:defRPr sz="1800" kern="1200">
-                <a:solidFill>
-                  <a:schemeClr val="tx1"/>
-                </a:solidFill>
-                <a:latin typeface="+mn-lt"/>
-                <a:ea typeface="+mn-ea"/>
-                <a:cs typeface="+mn-cs"/>
-              </a:defRPr>
-            </a:lvl7pPr>
-            <a:lvl8pPr marL="3429000" indent="-228600" algn="l" defTabSz="914400" rtl="0" eaLnBrk="1" latinLnBrk="0" hangingPunct="1">
-              <a:lnSpc>
-                <a:spcPct val="90000"/>
-              </a:lnSpc>
-              <a:spcBef>
-                <a:spcPts val="500"/>
-              </a:spcBef>
-              <a:buFont typeface="Arial" panose="020B0604020202020204" pitchFamily="34" charset="0"/>
-              <a:buChar char="•"/>
-              <a:defRPr sz="1800" kern="1200">
-                <a:solidFill>
-                  <a:schemeClr val="tx1"/>
-                </a:solidFill>
-                <a:latin typeface="+mn-lt"/>
-                <a:ea typeface="+mn-ea"/>
-                <a:cs typeface="+mn-cs"/>
-              </a:defRPr>
-            </a:lvl8pPr>
-            <a:lvl9pPr marL="3886200" indent="-228600" algn="l" defTabSz="914400" rtl="0" eaLnBrk="1" latinLnBrk="0" hangingPunct="1">
-              <a:lnSpc>
-                <a:spcPct val="90000"/>
-              </a:lnSpc>
-              <a:spcBef>
-                <a:spcPts val="500"/>
-              </a:spcBef>
-              <a:buFont typeface="Arial" panose="020B0604020202020204" pitchFamily="34" charset="0"/>
-              <a:buChar char="•"/>
-              <a:defRPr sz="1800" kern="1200">
-                <a:solidFill>
-                  <a:schemeClr val="tx1"/>
-                </a:solidFill>
-                <a:latin typeface="+mn-lt"/>
-                <a:ea typeface="+mn-ea"/>
-                <a:cs typeface="+mn-cs"/>
-              </a:defRPr>
-            </a:lvl9pPr>
-          </a:lstStyle>
-          <a:p>
-            <a:pPr algn="l"/>
-            <a:r>
-              <a:rPr lang="en-US" sz="2400" i="0" dirty="0">
-                <a:effectLst/>
-                <a:latin typeface="euclid_circular_a"/>
-              </a:rPr>
-              <a:t>A class can be derived from more than one base class in Python. This is called </a:t>
-            </a:r>
-            <a:r>
-              <a:rPr lang="en-US" sz="2400" b="1" i="0" u="sng" dirty="0">
-                <a:effectLst/>
-                <a:latin typeface="euclid_circular_a"/>
-              </a:rPr>
-              <a:t>multiple inheritance</a:t>
-            </a:r>
-            <a:r>
-              <a:rPr lang="en-US" sz="2400" i="0" dirty="0">
-                <a:effectLst/>
-                <a:latin typeface="euclid_circular_a"/>
-              </a:rPr>
-              <a:t>.</a:t>
-            </a:r>
-          </a:p>
-          <a:p>
-            <a:pPr algn="l"/>
-            <a:endParaRPr lang="en-US" sz="2400" i="0" dirty="0">
-              <a:effectLst/>
-              <a:latin typeface="euclid_circular_a"/>
-            </a:endParaRPr>
-          </a:p>
-          <a:p>
-            <a:pPr algn="l"/>
-            <a:r>
-              <a:rPr lang="en-US" sz="2400" i="0" dirty="0">
-                <a:effectLst/>
-                <a:latin typeface="euclid_circular_a"/>
-              </a:rPr>
-              <a:t>In multiple inheritance, </a:t>
-            </a:r>
-            <a:r>
-              <a:rPr lang="en-US" sz="2400" b="1" i="0" u="sng" dirty="0">
-                <a:effectLst/>
-                <a:latin typeface="euclid_circular_a"/>
-              </a:rPr>
-              <a:t>the features of all the base classes are inherited into the derived class</a:t>
-            </a:r>
-            <a:r>
-              <a:rPr lang="en-US" sz="2400" i="0" dirty="0">
-                <a:effectLst/>
-                <a:latin typeface="euclid_circular_a"/>
-              </a:rPr>
-              <a:t>. The syntax for multiple inheritance is similar to single inheritance.</a:t>
-            </a:r>
-          </a:p>
-        </p:txBody>
-      </p:sp>
-      <p:pic>
-        <p:nvPicPr>
-          <p:cNvPr id="2050" name="Picture 2" descr="Multiple Inheritance in Python">
-            <a:extLst>
-              <a:ext uri="{FF2B5EF4-FFF2-40B4-BE49-F238E27FC236}">
-                <a16:creationId xmlns:a16="http://schemas.microsoft.com/office/drawing/2014/main" id="{6F8CA966-2282-4AF0-80DB-37361E9786D3}"/>
-              </a:ext>
-            </a:extLst>
-          </p:cNvPr>
-          <p:cNvPicPr>
-            <a:picLocks noChangeAspect="1" noChangeArrowheads="1"/>
-          </p:cNvPicPr>
-          <p:nvPr/>
-        </p:nvPicPr>
-        <p:blipFill>
-          <a:blip r:embed="rId2">
-            <a:extLst>
-              <a:ext uri="{28A0092B-C50C-407E-A947-70E740481C1C}">
-                <a14:useLocalDpi xmlns:a14="http://schemas.microsoft.com/office/drawing/2010/main" val="0"/>
-              </a:ext>
-            </a:extLst>
-          </a:blip>
-          <a:srcRect/>
-          <a:stretch>
-            <a:fillRect/>
-          </a:stretch>
-        </p:blipFill>
-        <p:spPr bwMode="auto">
-          <a:xfrm>
-            <a:off x="8296275" y="3233979"/>
-            <a:ext cx="2905125" cy="2867025"/>
-          </a:xfrm>
-          <a:prstGeom prst="rect">
-            <a:avLst/>
-          </a:prstGeom>
-          <a:noFill/>
-          <a:extLst>
-            <a:ext uri="{909E8E84-426E-40DD-AFC4-6F175D3DCCD1}">
-              <a14:hiddenFill xmlns:a14="http://schemas.microsoft.com/office/drawing/2010/main">
-                <a:solidFill>
-                  <a:srgbClr val="FFFFFF"/>
-                </a:solidFill>
-              </a14:hiddenFill>
-            </a:ext>
-          </a:extLst>
-        </p:spPr>
-      </p:pic>
-    </p:spTree>
-    <p:extLst>
-      <p:ext uri="{BB962C8B-B14F-4D97-AF65-F5344CB8AC3E}">
-        <p14:creationId xmlns:p14="http://schemas.microsoft.com/office/powerpoint/2010/main" val="478101616"/>
-      </p:ext>
-    </p:extLst>
-  </p:cSld>
-  <p:clrMapOvr>
-    <a:masterClrMapping/>
-  </p:clrMapOvr>
-</p:sld>
-</file>
-
-<file path=ppt/slides/slide23.xml><?xml version="1.0" encoding="utf-8"?>
-<p:sld xmlns:a="http://schemas.openxmlformats.org/drawingml/2006/main" xmlns:r="http://schemas.openxmlformats.org/officeDocument/2006/relationships" xmlns:p="http://schemas.openxmlformats.org/presentationml/2006/main">
-  <p:cSld>
-    <p:spTree>
-      <p:nvGrpSpPr>
-        <p:cNvPr id="1" name=""/>
-        <p:cNvGrpSpPr/>
-        <p:nvPr/>
-      </p:nvGrpSpPr>
-      <p:grpSpPr>
-        <a:xfrm>
-          <a:off x="0" y="0"/>
-          <a:ext cx="0" cy="0"/>
-          <a:chOff x="0" y="0"/>
-          <a:chExt cx="0" cy="0"/>
-        </a:xfrm>
-      </p:grpSpPr>
-      <p:sp>
-        <p:nvSpPr>
-          <p:cNvPr id="2" name="Title 1">
-            <a:extLst>
-              <a:ext uri="{FF2B5EF4-FFF2-40B4-BE49-F238E27FC236}">
-                <a16:creationId xmlns:a16="http://schemas.microsoft.com/office/drawing/2014/main" id="{30AF865A-8181-4DAA-A1EF-5D642527395C}"/>
-              </a:ext>
-            </a:extLst>
-          </p:cNvPr>
-          <p:cNvSpPr>
-            <a:spLocks noGrp="1"/>
-          </p:cNvSpPr>
-          <p:nvPr>
-            <p:ph type="title"/>
-          </p:nvPr>
-        </p:nvSpPr>
-        <p:spPr>
-          <a:xfrm>
-            <a:off x="794131" y="254955"/>
-            <a:ext cx="11004933" cy="1325563"/>
-          </a:xfrm>
-        </p:spPr>
-        <p:txBody>
-          <a:bodyPr>
-            <a:normAutofit/>
-          </a:bodyPr>
-          <a:lstStyle/>
-          <a:p>
-            <a:r>
-              <a:rPr lang="en-US" b="1" dirty="0">
-                <a:solidFill>
-                  <a:srgbClr val="404040"/>
-                </a:solidFill>
-                <a:latin typeface="Roboto Slab" pitchFamily="2" charset="0"/>
-              </a:rPr>
-              <a:t>Example code with multiple inheritance </a:t>
-            </a:r>
-            <a:r>
-              <a:rPr lang="nl-BE" b="1" dirty="0"/>
-              <a:t> </a:t>
-            </a:r>
-            <a:endParaRPr lang="en-US" b="1" dirty="0"/>
-          </a:p>
-        </p:txBody>
-      </p:sp>
-      <p:sp>
-        <p:nvSpPr>
-          <p:cNvPr id="3" name="Text Placeholder 2">
-            <a:extLst>
-              <a:ext uri="{FF2B5EF4-FFF2-40B4-BE49-F238E27FC236}">
-                <a16:creationId xmlns:a16="http://schemas.microsoft.com/office/drawing/2014/main" id="{3FF93CCA-E9DD-47C9-8EE0-1190EA64BA3D}"/>
-              </a:ext>
-            </a:extLst>
-          </p:cNvPr>
-          <p:cNvSpPr txBox="1">
-            <a:spLocks/>
-          </p:cNvSpPr>
-          <p:nvPr/>
-        </p:nvSpPr>
-        <p:spPr>
-          <a:xfrm>
-            <a:off x="838200" y="1690688"/>
-            <a:ext cx="9948334" cy="5032375"/>
-          </a:xfrm>
-          <a:prstGeom prst="rect">
-            <a:avLst/>
-          </a:prstGeom>
-        </p:spPr>
-        <p:txBody>
-          <a:bodyPr>
-            <a:normAutofit/>
-          </a:bodyPr>
-          <a:lstStyle>
-            <a:lvl1pPr marL="228600" indent="-228600" algn="l" defTabSz="914400" rtl="0" eaLnBrk="1" latinLnBrk="0" hangingPunct="1">
-              <a:lnSpc>
-                <a:spcPct val="90000"/>
-              </a:lnSpc>
-              <a:spcBef>
-                <a:spcPts val="1000"/>
-              </a:spcBef>
-              <a:buFont typeface="Arial" panose="020B0604020202020204" pitchFamily="34" charset="0"/>
-              <a:buChar char="•"/>
-              <a:defRPr sz="2800" kern="1200">
-                <a:solidFill>
-                  <a:schemeClr val="tx1"/>
-                </a:solidFill>
-                <a:latin typeface="+mn-lt"/>
-                <a:ea typeface="+mn-ea"/>
-                <a:cs typeface="+mn-cs"/>
-              </a:defRPr>
-            </a:lvl1pPr>
-            <a:lvl2pPr marL="685800" indent="-228600" algn="l" defTabSz="914400" rtl="0" eaLnBrk="1" latinLnBrk="0" hangingPunct="1">
-              <a:lnSpc>
-                <a:spcPct val="90000"/>
-              </a:lnSpc>
-              <a:spcBef>
-                <a:spcPts val="500"/>
-              </a:spcBef>
-              <a:buFont typeface="Arial" panose="020B0604020202020204" pitchFamily="34" charset="0"/>
-              <a:buChar char="•"/>
-              <a:defRPr sz="2400" kern="1200">
-                <a:solidFill>
-                  <a:schemeClr val="tx1"/>
-                </a:solidFill>
-                <a:latin typeface="+mn-lt"/>
-                <a:ea typeface="+mn-ea"/>
-                <a:cs typeface="+mn-cs"/>
-              </a:defRPr>
-            </a:lvl2pPr>
-            <a:lvl3pPr marL="1143000" indent="-228600" algn="l" defTabSz="914400" rtl="0" eaLnBrk="1" latinLnBrk="0" hangingPunct="1">
-              <a:lnSpc>
-                <a:spcPct val="90000"/>
-              </a:lnSpc>
-              <a:spcBef>
-                <a:spcPts val="500"/>
-              </a:spcBef>
-              <a:buFont typeface="Arial" panose="020B0604020202020204" pitchFamily="34" charset="0"/>
-              <a:buChar char="•"/>
-              <a:defRPr sz="2000" kern="1200">
-                <a:solidFill>
-                  <a:schemeClr val="tx1"/>
-                </a:solidFill>
-                <a:latin typeface="+mn-lt"/>
-                <a:ea typeface="+mn-ea"/>
-                <a:cs typeface="+mn-cs"/>
-              </a:defRPr>
-            </a:lvl3pPr>
-            <a:lvl4pPr marL="1600200" indent="-228600" algn="l" defTabSz="914400" rtl="0" eaLnBrk="1" latinLnBrk="0" hangingPunct="1">
-              <a:lnSpc>
-                <a:spcPct val="90000"/>
-              </a:lnSpc>
-              <a:spcBef>
-                <a:spcPts val="500"/>
-              </a:spcBef>
-              <a:buFont typeface="Arial" panose="020B0604020202020204" pitchFamily="34" charset="0"/>
-              <a:buChar char="•"/>
-              <a:defRPr sz="1800" kern="1200">
-                <a:solidFill>
-                  <a:schemeClr val="tx1"/>
-                </a:solidFill>
-                <a:latin typeface="+mn-lt"/>
-                <a:ea typeface="+mn-ea"/>
-                <a:cs typeface="+mn-cs"/>
-              </a:defRPr>
-            </a:lvl4pPr>
-            <a:lvl5pPr marL="2057400" indent="-228600" algn="l" defTabSz="914400" rtl="0" eaLnBrk="1" latinLnBrk="0" hangingPunct="1">
-              <a:lnSpc>
-                <a:spcPct val="90000"/>
-              </a:lnSpc>
-              <a:spcBef>
-                <a:spcPts val="500"/>
-              </a:spcBef>
-              <a:buFont typeface="Arial" panose="020B0604020202020204" pitchFamily="34" charset="0"/>
-              <a:buChar char="•"/>
-              <a:defRPr sz="1800" kern="1200">
-                <a:solidFill>
-                  <a:schemeClr val="tx1"/>
-                </a:solidFill>
-                <a:latin typeface="+mn-lt"/>
-                <a:ea typeface="+mn-ea"/>
-                <a:cs typeface="+mn-cs"/>
-              </a:defRPr>
-            </a:lvl5pPr>
-            <a:lvl6pPr marL="2514600" indent="-228600" algn="l" defTabSz="914400" rtl="0" eaLnBrk="1" latinLnBrk="0" hangingPunct="1">
-              <a:lnSpc>
-                <a:spcPct val="90000"/>
-              </a:lnSpc>
-              <a:spcBef>
-                <a:spcPts val="500"/>
-              </a:spcBef>
-              <a:buFont typeface="Arial" panose="020B0604020202020204" pitchFamily="34" charset="0"/>
-              <a:buChar char="•"/>
-              <a:defRPr sz="1800" kern="1200">
-                <a:solidFill>
-                  <a:schemeClr val="tx1"/>
-                </a:solidFill>
-                <a:latin typeface="+mn-lt"/>
-                <a:ea typeface="+mn-ea"/>
-                <a:cs typeface="+mn-cs"/>
-              </a:defRPr>
-            </a:lvl6pPr>
-            <a:lvl7pPr marL="2971800" indent="-228600" algn="l" defTabSz="914400" rtl="0" eaLnBrk="1" latinLnBrk="0" hangingPunct="1">
-              <a:lnSpc>
-                <a:spcPct val="90000"/>
-              </a:lnSpc>
-              <a:spcBef>
-                <a:spcPts val="500"/>
-              </a:spcBef>
-              <a:buFont typeface="Arial" panose="020B0604020202020204" pitchFamily="34" charset="0"/>
-              <a:buChar char="•"/>
-              <a:defRPr sz="1800" kern="1200">
-                <a:solidFill>
-                  <a:schemeClr val="tx1"/>
-                </a:solidFill>
-                <a:latin typeface="+mn-lt"/>
-                <a:ea typeface="+mn-ea"/>
-                <a:cs typeface="+mn-cs"/>
-              </a:defRPr>
-            </a:lvl7pPr>
-            <a:lvl8pPr marL="3429000" indent="-228600" algn="l" defTabSz="914400" rtl="0" eaLnBrk="1" latinLnBrk="0" hangingPunct="1">
-              <a:lnSpc>
-                <a:spcPct val="90000"/>
-              </a:lnSpc>
-              <a:spcBef>
-                <a:spcPts val="500"/>
-              </a:spcBef>
-              <a:buFont typeface="Arial" panose="020B0604020202020204" pitchFamily="34" charset="0"/>
-              <a:buChar char="•"/>
-              <a:defRPr sz="1800" kern="1200">
-                <a:solidFill>
-                  <a:schemeClr val="tx1"/>
-                </a:solidFill>
-                <a:latin typeface="+mn-lt"/>
-                <a:ea typeface="+mn-ea"/>
-                <a:cs typeface="+mn-cs"/>
-              </a:defRPr>
-            </a:lvl8pPr>
-            <a:lvl9pPr marL="3886200" indent="-228600" algn="l" defTabSz="914400" rtl="0" eaLnBrk="1" latinLnBrk="0" hangingPunct="1">
-              <a:lnSpc>
-                <a:spcPct val="90000"/>
-              </a:lnSpc>
-              <a:spcBef>
-                <a:spcPts val="500"/>
-              </a:spcBef>
-              <a:buFont typeface="Arial" panose="020B0604020202020204" pitchFamily="34" charset="0"/>
-              <a:buChar char="•"/>
-              <a:defRPr sz="1800" kern="1200">
-                <a:solidFill>
-                  <a:schemeClr val="tx1"/>
-                </a:solidFill>
-                <a:latin typeface="+mn-lt"/>
-                <a:ea typeface="+mn-ea"/>
-                <a:cs typeface="+mn-cs"/>
-              </a:defRPr>
-            </a:lvl9pPr>
-          </a:lstStyle>
-          <a:p>
-            <a:endParaRPr lang="nl-BE" dirty="0"/>
-          </a:p>
-        </p:txBody>
-      </p:sp>
-      <p:sp>
-        <p:nvSpPr>
-          <p:cNvPr id="5" name="Text Placeholder 2">
-            <a:extLst>
-              <a:ext uri="{FF2B5EF4-FFF2-40B4-BE49-F238E27FC236}">
-                <a16:creationId xmlns:a16="http://schemas.microsoft.com/office/drawing/2014/main" id="{7AB70E53-350E-4252-BA54-FAD53C1FA316}"/>
-              </a:ext>
-            </a:extLst>
-          </p:cNvPr>
-          <p:cNvSpPr txBox="1">
-            <a:spLocks/>
-          </p:cNvSpPr>
-          <p:nvPr/>
-        </p:nvSpPr>
-        <p:spPr>
-          <a:xfrm>
-            <a:off x="2096660" y="1402144"/>
-            <a:ext cx="7576150" cy="4070350"/>
-          </a:xfrm>
-          <a:prstGeom prst="rect">
-            <a:avLst/>
-          </a:prstGeom>
-          <a:ln>
-            <a:solidFill>
-              <a:schemeClr val="tx1"/>
-            </a:solidFill>
-          </a:ln>
-        </p:spPr>
-        <p:txBody>
-          <a:bodyPr>
-            <a:normAutofit fontScale="92500" lnSpcReduction="10000"/>
-          </a:bodyPr>
-          <a:lstStyle>
-            <a:lvl1pPr marL="228600" indent="-228600" algn="l" defTabSz="914400" rtl="0" eaLnBrk="1" latinLnBrk="0" hangingPunct="1">
-              <a:lnSpc>
-                <a:spcPct val="90000"/>
-              </a:lnSpc>
-              <a:spcBef>
-                <a:spcPts val="1000"/>
-              </a:spcBef>
-              <a:buFont typeface="Arial" panose="020B0604020202020204" pitchFamily="34" charset="0"/>
-              <a:buChar char="•"/>
-              <a:defRPr sz="2800" kern="1200">
-                <a:solidFill>
-                  <a:schemeClr val="tx1"/>
-                </a:solidFill>
-                <a:latin typeface="+mn-lt"/>
-                <a:ea typeface="+mn-ea"/>
-                <a:cs typeface="+mn-cs"/>
-              </a:defRPr>
-            </a:lvl1pPr>
-            <a:lvl2pPr marL="685800" indent="-228600" algn="l" defTabSz="914400" rtl="0" eaLnBrk="1" latinLnBrk="0" hangingPunct="1">
-              <a:lnSpc>
-                <a:spcPct val="90000"/>
-              </a:lnSpc>
-              <a:spcBef>
-                <a:spcPts val="500"/>
-              </a:spcBef>
-              <a:buFont typeface="Arial" panose="020B0604020202020204" pitchFamily="34" charset="0"/>
-              <a:buChar char="•"/>
-              <a:defRPr sz="2400" kern="1200">
-                <a:solidFill>
-                  <a:schemeClr val="tx1"/>
-                </a:solidFill>
-                <a:latin typeface="+mn-lt"/>
-                <a:ea typeface="+mn-ea"/>
-                <a:cs typeface="+mn-cs"/>
-              </a:defRPr>
-            </a:lvl2pPr>
-            <a:lvl3pPr marL="1143000" indent="-228600" algn="l" defTabSz="914400" rtl="0" eaLnBrk="1" latinLnBrk="0" hangingPunct="1">
-              <a:lnSpc>
-                <a:spcPct val="90000"/>
-              </a:lnSpc>
-              <a:spcBef>
-                <a:spcPts val="500"/>
-              </a:spcBef>
-              <a:buFont typeface="Arial" panose="020B0604020202020204" pitchFamily="34" charset="0"/>
-              <a:buChar char="•"/>
-              <a:defRPr sz="2000" kern="1200">
-                <a:solidFill>
-                  <a:schemeClr val="tx1"/>
-                </a:solidFill>
-                <a:latin typeface="+mn-lt"/>
-                <a:ea typeface="+mn-ea"/>
-                <a:cs typeface="+mn-cs"/>
-              </a:defRPr>
-            </a:lvl3pPr>
-            <a:lvl4pPr marL="1600200" indent="-228600" algn="l" defTabSz="914400" rtl="0" eaLnBrk="1" latinLnBrk="0" hangingPunct="1">
-              <a:lnSpc>
-                <a:spcPct val="90000"/>
-              </a:lnSpc>
-              <a:spcBef>
-                <a:spcPts val="500"/>
-              </a:spcBef>
-              <a:buFont typeface="Arial" panose="020B0604020202020204" pitchFamily="34" charset="0"/>
-              <a:buChar char="•"/>
-              <a:defRPr sz="1800" kern="1200">
-                <a:solidFill>
-                  <a:schemeClr val="tx1"/>
-                </a:solidFill>
-                <a:latin typeface="+mn-lt"/>
-                <a:ea typeface="+mn-ea"/>
-                <a:cs typeface="+mn-cs"/>
-              </a:defRPr>
-            </a:lvl4pPr>
-            <a:lvl5pPr marL="2057400" indent="-228600" algn="l" defTabSz="914400" rtl="0" eaLnBrk="1" latinLnBrk="0" hangingPunct="1">
-              <a:lnSpc>
-                <a:spcPct val="90000"/>
-              </a:lnSpc>
-              <a:spcBef>
-                <a:spcPts val="500"/>
-              </a:spcBef>
-              <a:buFont typeface="Arial" panose="020B0604020202020204" pitchFamily="34" charset="0"/>
-              <a:buChar char="•"/>
-              <a:defRPr sz="1800" kern="1200">
-                <a:solidFill>
-                  <a:schemeClr val="tx1"/>
-                </a:solidFill>
-                <a:latin typeface="+mn-lt"/>
-                <a:ea typeface="+mn-ea"/>
-                <a:cs typeface="+mn-cs"/>
-              </a:defRPr>
-            </a:lvl5pPr>
-            <a:lvl6pPr marL="2514600" indent="-228600" algn="l" defTabSz="914400" rtl="0" eaLnBrk="1" latinLnBrk="0" hangingPunct="1">
-              <a:lnSpc>
-                <a:spcPct val="90000"/>
-              </a:lnSpc>
-              <a:spcBef>
-                <a:spcPts val="500"/>
-              </a:spcBef>
-              <a:buFont typeface="Arial" panose="020B0604020202020204" pitchFamily="34" charset="0"/>
-              <a:buChar char="•"/>
-              <a:defRPr sz="1800" kern="1200">
-                <a:solidFill>
-                  <a:schemeClr val="tx1"/>
-                </a:solidFill>
-                <a:latin typeface="+mn-lt"/>
-                <a:ea typeface="+mn-ea"/>
-                <a:cs typeface="+mn-cs"/>
-              </a:defRPr>
-            </a:lvl6pPr>
-            <a:lvl7pPr marL="2971800" indent="-228600" algn="l" defTabSz="914400" rtl="0" eaLnBrk="1" latinLnBrk="0" hangingPunct="1">
-              <a:lnSpc>
-                <a:spcPct val="90000"/>
-              </a:lnSpc>
-              <a:spcBef>
-                <a:spcPts val="500"/>
-              </a:spcBef>
-              <a:buFont typeface="Arial" panose="020B0604020202020204" pitchFamily="34" charset="0"/>
-              <a:buChar char="•"/>
-              <a:defRPr sz="1800" kern="1200">
-                <a:solidFill>
-                  <a:schemeClr val="tx1"/>
-                </a:solidFill>
-                <a:latin typeface="+mn-lt"/>
-                <a:ea typeface="+mn-ea"/>
-                <a:cs typeface="+mn-cs"/>
-              </a:defRPr>
-            </a:lvl7pPr>
-            <a:lvl8pPr marL="3429000" indent="-228600" algn="l" defTabSz="914400" rtl="0" eaLnBrk="1" latinLnBrk="0" hangingPunct="1">
-              <a:lnSpc>
-                <a:spcPct val="90000"/>
-              </a:lnSpc>
-              <a:spcBef>
-                <a:spcPts val="500"/>
-              </a:spcBef>
-              <a:buFont typeface="Arial" panose="020B0604020202020204" pitchFamily="34" charset="0"/>
-              <a:buChar char="•"/>
-              <a:defRPr sz="1800" kern="1200">
-                <a:solidFill>
-                  <a:schemeClr val="tx1"/>
-                </a:solidFill>
-                <a:latin typeface="+mn-lt"/>
-                <a:ea typeface="+mn-ea"/>
-                <a:cs typeface="+mn-cs"/>
-              </a:defRPr>
-            </a:lvl8pPr>
-            <a:lvl9pPr marL="3886200" indent="-228600" algn="l" defTabSz="914400" rtl="0" eaLnBrk="1" latinLnBrk="0" hangingPunct="1">
-              <a:lnSpc>
-                <a:spcPct val="90000"/>
-              </a:lnSpc>
-              <a:spcBef>
-                <a:spcPts val="500"/>
-              </a:spcBef>
-              <a:buFont typeface="Arial" panose="020B0604020202020204" pitchFamily="34" charset="0"/>
-              <a:buChar char="•"/>
-              <a:defRPr sz="1800" kern="1200">
-                <a:solidFill>
-                  <a:schemeClr val="tx1"/>
-                </a:solidFill>
-                <a:latin typeface="+mn-lt"/>
-                <a:ea typeface="+mn-ea"/>
-                <a:cs typeface="+mn-cs"/>
-              </a:defRPr>
-            </a:lvl9pPr>
-          </a:lstStyle>
-          <a:p>
-            <a:pPr marL="0" indent="0">
-              <a:buFont typeface="Arial" panose="020B0604020202020204" pitchFamily="34" charset="0"/>
-              <a:buNone/>
-            </a:pPr>
-            <a:r>
-              <a:rPr lang="en-US" sz="1600" b="1" dirty="0">
-                <a:solidFill>
-                  <a:srgbClr val="0070C0"/>
-                </a:solidFill>
-                <a:latin typeface="Consolas" panose="020B0609020204030204" pitchFamily="49" charset="0"/>
-              </a:rPr>
-              <a:t>class</a:t>
-            </a:r>
-            <a:r>
-              <a:rPr lang="en-US" sz="1600" dirty="0">
-                <a:latin typeface="Consolas" panose="020B0609020204030204" pitchFamily="49" charset="0"/>
-              </a:rPr>
-              <a:t> ParentClass1:</a:t>
-            </a:r>
-          </a:p>
-          <a:p>
-            <a:pPr marL="0" indent="0">
-              <a:buFont typeface="Arial" panose="020B0604020202020204" pitchFamily="34" charset="0"/>
-              <a:buNone/>
-            </a:pPr>
-            <a:r>
-              <a:rPr lang="en-US" sz="1600" dirty="0">
-                <a:latin typeface="Consolas" panose="020B0609020204030204" pitchFamily="49" charset="0"/>
-              </a:rPr>
-              <a:t>    </a:t>
-            </a:r>
-            <a:r>
-              <a:rPr lang="en-US" sz="1600" b="1" dirty="0">
-                <a:solidFill>
-                  <a:srgbClr val="0070C0"/>
-                </a:solidFill>
-                <a:latin typeface="Consolas" panose="020B0609020204030204" pitchFamily="49" charset="0"/>
-              </a:rPr>
-              <a:t>def</a:t>
-            </a:r>
-            <a:r>
-              <a:rPr lang="en-US" sz="1600" dirty="0">
-                <a:latin typeface="Consolas" panose="020B0609020204030204" pitchFamily="49" charset="0"/>
-              </a:rPr>
-              <a:t> method1(self):</a:t>
-            </a:r>
-          </a:p>
-          <a:p>
-            <a:pPr marL="0" indent="0">
-              <a:buFont typeface="Arial" panose="020B0604020202020204" pitchFamily="34" charset="0"/>
-              <a:buNone/>
-            </a:pPr>
-            <a:r>
-              <a:rPr lang="en-US" sz="1600" dirty="0">
-                <a:latin typeface="Consolas" panose="020B0609020204030204" pitchFamily="49" charset="0"/>
-              </a:rPr>
-              <a:t>        print(</a:t>
-            </a:r>
-            <a:r>
-              <a:rPr lang="en-US" sz="1600" dirty="0">
-                <a:solidFill>
-                  <a:schemeClr val="accent2"/>
-                </a:solidFill>
-                <a:latin typeface="Consolas" panose="020B0609020204030204" pitchFamily="49" charset="0"/>
-              </a:rPr>
-              <a:t>"Method 1 from Parent Class 1"</a:t>
-            </a:r>
-            <a:r>
-              <a:rPr lang="en-US" sz="1600" dirty="0">
-                <a:latin typeface="Consolas" panose="020B0609020204030204" pitchFamily="49" charset="0"/>
-              </a:rPr>
-              <a:t>)</a:t>
-            </a:r>
-          </a:p>
-          <a:p>
-            <a:pPr marL="0" indent="0">
-              <a:buFont typeface="Arial" panose="020B0604020202020204" pitchFamily="34" charset="0"/>
-              <a:buNone/>
-            </a:pPr>
-            <a:endParaRPr lang="en-US" sz="1600" dirty="0">
-              <a:latin typeface="Consolas" panose="020B0609020204030204" pitchFamily="49" charset="0"/>
-            </a:endParaRPr>
-          </a:p>
-          <a:p>
-            <a:pPr marL="0" indent="0">
-              <a:buFont typeface="Arial" panose="020B0604020202020204" pitchFamily="34" charset="0"/>
-              <a:buNone/>
-            </a:pPr>
-            <a:r>
-              <a:rPr lang="en-US" sz="1600" b="1" dirty="0">
-                <a:solidFill>
-                  <a:srgbClr val="0070C0"/>
-                </a:solidFill>
-                <a:latin typeface="Consolas" panose="020B0609020204030204" pitchFamily="49" charset="0"/>
-              </a:rPr>
-              <a:t>class</a:t>
-            </a:r>
-            <a:r>
-              <a:rPr lang="en-US" sz="1600" dirty="0">
-                <a:latin typeface="Consolas" panose="020B0609020204030204" pitchFamily="49" charset="0"/>
-              </a:rPr>
-              <a:t> ParentClass2:</a:t>
-            </a:r>
-          </a:p>
-          <a:p>
-            <a:pPr marL="0" indent="0">
-              <a:buFont typeface="Arial" panose="020B0604020202020204" pitchFamily="34" charset="0"/>
-              <a:buNone/>
-            </a:pPr>
-            <a:r>
-              <a:rPr lang="en-US" sz="1600" dirty="0">
-                <a:latin typeface="Consolas" panose="020B0609020204030204" pitchFamily="49" charset="0"/>
-              </a:rPr>
-              <a:t>    </a:t>
-            </a:r>
-            <a:r>
-              <a:rPr lang="en-US" sz="1600" b="1" dirty="0">
-                <a:solidFill>
-                  <a:srgbClr val="0070C0"/>
-                </a:solidFill>
-                <a:latin typeface="Consolas" panose="020B0609020204030204" pitchFamily="49" charset="0"/>
-              </a:rPr>
-              <a:t>def</a:t>
-            </a:r>
-            <a:r>
-              <a:rPr lang="en-US" sz="1600" dirty="0">
-                <a:latin typeface="Consolas" panose="020B0609020204030204" pitchFamily="49" charset="0"/>
-              </a:rPr>
-              <a:t> method1(self):</a:t>
-            </a:r>
-          </a:p>
-          <a:p>
-            <a:pPr marL="0" indent="0">
-              <a:buFont typeface="Arial" panose="020B0604020202020204" pitchFamily="34" charset="0"/>
-              <a:buNone/>
-            </a:pPr>
-            <a:r>
-              <a:rPr lang="en-US" sz="1600" dirty="0">
-                <a:latin typeface="Consolas" panose="020B0609020204030204" pitchFamily="49" charset="0"/>
-              </a:rPr>
-              <a:t>        print(</a:t>
-            </a:r>
-            <a:r>
-              <a:rPr lang="en-US" sz="1600" dirty="0">
-                <a:solidFill>
-                  <a:schemeClr val="accent2"/>
-                </a:solidFill>
-                <a:latin typeface="Consolas" panose="020B0609020204030204" pitchFamily="49" charset="0"/>
-              </a:rPr>
-              <a:t>"Method 1 from Parent Class 2"</a:t>
-            </a:r>
-            <a:r>
-              <a:rPr lang="en-US" sz="1600" dirty="0">
-                <a:latin typeface="Consolas" panose="020B0609020204030204" pitchFamily="49" charset="0"/>
-              </a:rPr>
-              <a:t>)</a:t>
-            </a:r>
-          </a:p>
-          <a:p>
-            <a:pPr marL="0" indent="0">
-              <a:buFont typeface="Arial" panose="020B0604020202020204" pitchFamily="34" charset="0"/>
-              <a:buNone/>
-            </a:pPr>
-            <a:endParaRPr lang="en-US" sz="1600" dirty="0">
-              <a:latin typeface="Consolas" panose="020B0609020204030204" pitchFamily="49" charset="0"/>
-            </a:endParaRPr>
-          </a:p>
-          <a:p>
-            <a:pPr marL="0" indent="0">
-              <a:buFont typeface="Arial" panose="020B0604020202020204" pitchFamily="34" charset="0"/>
-              <a:buNone/>
-            </a:pPr>
-            <a:r>
-              <a:rPr lang="en-US" sz="1600" b="1" dirty="0">
-                <a:solidFill>
-                  <a:srgbClr val="0070C0"/>
-                </a:solidFill>
-                <a:latin typeface="Consolas" panose="020B0609020204030204" pitchFamily="49" charset="0"/>
-              </a:rPr>
-              <a:t>class</a:t>
-            </a:r>
-            <a:r>
-              <a:rPr lang="en-US" sz="1600" dirty="0">
-                <a:latin typeface="Consolas" panose="020B0609020204030204" pitchFamily="49" charset="0"/>
-              </a:rPr>
-              <a:t> </a:t>
-            </a:r>
-            <a:r>
-              <a:rPr lang="en-US" sz="1600" dirty="0" err="1">
-                <a:latin typeface="Consolas" panose="020B0609020204030204" pitchFamily="49" charset="0"/>
-              </a:rPr>
-              <a:t>ChildClass</a:t>
-            </a:r>
-            <a:r>
-              <a:rPr lang="en-US" sz="1600" dirty="0">
-                <a:latin typeface="Consolas" panose="020B0609020204030204" pitchFamily="49" charset="0"/>
-              </a:rPr>
-              <a:t>(ParentClass1, ParentClass2):</a:t>
-            </a:r>
-          </a:p>
-          <a:p>
-            <a:pPr marL="0" indent="0">
-              <a:buFont typeface="Arial" panose="020B0604020202020204" pitchFamily="34" charset="0"/>
-              <a:buNone/>
-            </a:pPr>
-            <a:r>
-              <a:rPr lang="en-US" sz="1600" dirty="0">
-                <a:latin typeface="Consolas" panose="020B0609020204030204" pitchFamily="49" charset="0"/>
-              </a:rPr>
-              <a:t>    </a:t>
-            </a:r>
-            <a:r>
-              <a:rPr lang="en-US" sz="1600" b="1" dirty="0">
-                <a:solidFill>
-                  <a:srgbClr val="0070C0"/>
-                </a:solidFill>
-                <a:latin typeface="Consolas" panose="020B0609020204030204" pitchFamily="49" charset="0"/>
-              </a:rPr>
-              <a:t>pass</a:t>
-            </a:r>
-          </a:p>
-          <a:p>
-            <a:pPr marL="0" indent="0">
-              <a:buFont typeface="Arial" panose="020B0604020202020204" pitchFamily="34" charset="0"/>
-              <a:buNone/>
-            </a:pPr>
-            <a:endParaRPr lang="en-US" sz="1600" dirty="0">
-              <a:latin typeface="Consolas" panose="020B0609020204030204" pitchFamily="49" charset="0"/>
-            </a:endParaRPr>
-          </a:p>
-          <a:p>
-            <a:pPr marL="0" indent="0">
-              <a:buFont typeface="Arial" panose="020B0604020202020204" pitchFamily="34" charset="0"/>
-              <a:buNone/>
-            </a:pPr>
-            <a:r>
-              <a:rPr lang="en-US" sz="1600" dirty="0">
-                <a:latin typeface="Consolas" panose="020B0609020204030204" pitchFamily="49" charset="0"/>
-              </a:rPr>
-              <a:t>child = </a:t>
-            </a:r>
-            <a:r>
-              <a:rPr lang="en-US" sz="1600" dirty="0" err="1">
-                <a:latin typeface="Consolas" panose="020B0609020204030204" pitchFamily="49" charset="0"/>
-              </a:rPr>
-              <a:t>ChildClass</a:t>
-            </a:r>
-            <a:r>
-              <a:rPr lang="en-US" sz="1600" dirty="0">
-                <a:latin typeface="Consolas" panose="020B0609020204030204" pitchFamily="49" charset="0"/>
-              </a:rPr>
-              <a:t>()</a:t>
-            </a:r>
-          </a:p>
-          <a:p>
-            <a:pPr marL="0" indent="0">
-              <a:buFont typeface="Arial" panose="020B0604020202020204" pitchFamily="34" charset="0"/>
-              <a:buNone/>
-            </a:pPr>
-            <a:r>
-              <a:rPr lang="en-US" sz="1600" dirty="0">
-                <a:latin typeface="Consolas" panose="020B0609020204030204" pitchFamily="49" charset="0"/>
-              </a:rPr>
-              <a:t>child.method1()  </a:t>
-            </a:r>
-            <a:r>
-              <a:rPr lang="en-US" sz="1600" dirty="0">
-                <a:solidFill>
-                  <a:schemeClr val="accent6"/>
-                </a:solidFill>
-                <a:latin typeface="Consolas" panose="020B0609020204030204" pitchFamily="49" charset="0"/>
-              </a:rPr>
-              <a:t># Output: Method 1 from Parent Class 1</a:t>
-            </a:r>
-          </a:p>
-        </p:txBody>
-      </p:sp>
-      <p:sp>
-        <p:nvSpPr>
-          <p:cNvPr id="9" name="Text Placeholder 2">
-            <a:extLst>
-              <a:ext uri="{FF2B5EF4-FFF2-40B4-BE49-F238E27FC236}">
-                <a16:creationId xmlns:a16="http://schemas.microsoft.com/office/drawing/2014/main" id="{F2D74457-8835-4992-863E-E0B3DC671C2E}"/>
-              </a:ext>
-            </a:extLst>
-          </p:cNvPr>
-          <p:cNvSpPr txBox="1">
-            <a:spLocks/>
-          </p:cNvSpPr>
-          <p:nvPr/>
-        </p:nvSpPr>
-        <p:spPr>
-          <a:xfrm>
-            <a:off x="2096660" y="5670798"/>
-            <a:ext cx="7576150" cy="822077"/>
-          </a:xfrm>
-          <a:prstGeom prst="rect">
-            <a:avLst/>
-          </a:prstGeom>
-          <a:ln w="12700">
-            <a:solidFill>
-              <a:schemeClr val="tx1"/>
-            </a:solidFill>
-            <a:miter lim="400000"/>
-          </a:ln>
-          <a:extLst>
-            <a:ext uri="{C572A759-6A51-4108-AA02-DFA0A04FC94B}">
-              <ma14:wrappingTextBoxFlag xmlns:ma14="http://schemas.microsoft.com/office/mac/drawingml/2011/main" xmlns="" val="1"/>
-            </a:ext>
-          </a:extLst>
-        </p:spPr>
-        <p:txBody>
-          <a:bodyPr lIns="45719" rIns="45719">
-            <a:normAutofit/>
-          </a:bodyPr>
-          <a:lstStyle>
-            <a:lvl1pPr marL="352425" marR="0" indent="-352425" algn="l" defTabSz="914400" rtl="0" latinLnBrk="0">
-              <a:lnSpc>
-                <a:spcPct val="90000"/>
-              </a:lnSpc>
-              <a:spcBef>
-                <a:spcPts val="1000"/>
-              </a:spcBef>
-              <a:spcAft>
-                <a:spcPts val="0"/>
-              </a:spcAft>
-              <a:buClr>
-                <a:srgbClr val="E00049"/>
-              </a:buClr>
-              <a:buSzPct val="100000"/>
-              <a:buFont typeface="Arial"/>
-              <a:buChar char="•"/>
-              <a:tabLst/>
-              <a:defRPr sz="2800" b="0" i="0" u="none" strike="noStrike" cap="none" spc="0" baseline="0">
-                <a:ln>
-                  <a:noFill/>
-                </a:ln>
-                <a:solidFill>
-                  <a:srgbClr val="002757"/>
-                </a:solidFill>
-                <a:uFillTx/>
-                <a:latin typeface="Tahoma"/>
-                <a:ea typeface="Tahoma"/>
-                <a:cs typeface="Tahoma"/>
-                <a:sym typeface="Tahoma"/>
-              </a:defRPr>
-            </a:lvl1pPr>
-            <a:lvl2pPr marL="857250" marR="0" indent="-400050" algn="l" defTabSz="914400" rtl="0" latinLnBrk="0">
-              <a:lnSpc>
-                <a:spcPct val="90000"/>
-              </a:lnSpc>
-              <a:spcBef>
-                <a:spcPts val="1000"/>
-              </a:spcBef>
-              <a:spcAft>
-                <a:spcPts val="0"/>
-              </a:spcAft>
-              <a:buClr>
-                <a:srgbClr val="E00049"/>
-              </a:buClr>
-              <a:buSzPct val="100000"/>
-              <a:buFont typeface="Arial"/>
-              <a:buChar char="▪"/>
-              <a:tabLst/>
-              <a:defRPr sz="2800" b="0" i="0" u="none" strike="noStrike" cap="none" spc="0" baseline="0">
-                <a:ln>
-                  <a:noFill/>
-                </a:ln>
-                <a:solidFill>
-                  <a:srgbClr val="002757"/>
-                </a:solidFill>
-                <a:uFillTx/>
-                <a:latin typeface="Tahoma"/>
-                <a:ea typeface="Tahoma"/>
-                <a:cs typeface="Tahoma"/>
-                <a:sym typeface="Tahoma"/>
-              </a:defRPr>
-            </a:lvl2pPr>
-            <a:lvl3pPr marL="1234439" marR="0" indent="-320039" algn="l" defTabSz="914400" rtl="0" latinLnBrk="0">
-              <a:lnSpc>
-                <a:spcPct val="90000"/>
-              </a:lnSpc>
-              <a:spcBef>
-                <a:spcPts val="1000"/>
-              </a:spcBef>
-              <a:spcAft>
-                <a:spcPts val="0"/>
-              </a:spcAft>
-              <a:buClr>
-                <a:srgbClr val="E00049"/>
-              </a:buClr>
-              <a:buSzPct val="100000"/>
-              <a:buFont typeface="Arial"/>
-              <a:buChar char="•"/>
-              <a:tabLst/>
-              <a:defRPr sz="2800" b="0" i="0" u="none" strike="noStrike" cap="none" spc="0" baseline="0">
-                <a:ln>
-                  <a:noFill/>
-                </a:ln>
-                <a:solidFill>
-                  <a:srgbClr val="002757"/>
-                </a:solidFill>
-                <a:uFillTx/>
-                <a:latin typeface="Tahoma"/>
-                <a:ea typeface="Tahoma"/>
-                <a:cs typeface="Tahoma"/>
-                <a:sym typeface="Tahoma"/>
-              </a:defRPr>
-            </a:lvl3pPr>
-            <a:lvl4pPr marL="1727200" marR="0" indent="-355600" algn="l" defTabSz="914400" rtl="0" latinLnBrk="0">
-              <a:lnSpc>
-                <a:spcPct val="90000"/>
-              </a:lnSpc>
-              <a:spcBef>
-                <a:spcPts val="1000"/>
-              </a:spcBef>
-              <a:spcAft>
-                <a:spcPts val="0"/>
-              </a:spcAft>
-              <a:buClr>
-                <a:srgbClr val="E00049"/>
-              </a:buClr>
-              <a:buSzPct val="100000"/>
-              <a:buFont typeface="Arial"/>
-              <a:buChar char="•"/>
-              <a:tabLst/>
-              <a:defRPr sz="2800" b="0" i="0" u="none" strike="noStrike" cap="none" spc="0" baseline="0">
-                <a:ln>
-                  <a:noFill/>
-                </a:ln>
-                <a:solidFill>
-                  <a:srgbClr val="002757"/>
-                </a:solidFill>
-                <a:uFillTx/>
-                <a:latin typeface="Tahoma"/>
-                <a:ea typeface="Tahoma"/>
-                <a:cs typeface="Tahoma"/>
-                <a:sym typeface="Tahoma"/>
-              </a:defRPr>
-            </a:lvl4pPr>
-            <a:lvl5pPr marL="2184400" marR="0" indent="-355600" algn="l" defTabSz="914400" rtl="0" latinLnBrk="0">
-              <a:lnSpc>
-                <a:spcPct val="90000"/>
-              </a:lnSpc>
-              <a:spcBef>
-                <a:spcPts val="1000"/>
-              </a:spcBef>
-              <a:spcAft>
-                <a:spcPts val="0"/>
-              </a:spcAft>
-              <a:buClr>
-                <a:srgbClr val="E00049"/>
-              </a:buClr>
-              <a:buSzPct val="100000"/>
-              <a:buFont typeface="Arial"/>
-              <a:buChar char="•"/>
-              <a:tabLst/>
-              <a:defRPr sz="2800" b="0" i="0" u="none" strike="noStrike" cap="none" spc="0" baseline="0">
-                <a:ln>
-                  <a:noFill/>
-                </a:ln>
-                <a:solidFill>
-                  <a:srgbClr val="002757"/>
-                </a:solidFill>
-                <a:uFillTx/>
-                <a:latin typeface="Tahoma"/>
-                <a:ea typeface="Tahoma"/>
-                <a:cs typeface="Tahoma"/>
-                <a:sym typeface="Tahoma"/>
-              </a:defRPr>
-            </a:lvl5pPr>
-            <a:lvl6pPr marL="2641600" marR="0" indent="-355600" algn="l" defTabSz="914400" rtl="0" latinLnBrk="0">
-              <a:lnSpc>
-                <a:spcPct val="90000"/>
-              </a:lnSpc>
-              <a:spcBef>
-                <a:spcPts val="1000"/>
-              </a:spcBef>
-              <a:spcAft>
-                <a:spcPts val="0"/>
-              </a:spcAft>
-              <a:buClrTx/>
-              <a:buSzPct val="100000"/>
-              <a:buFont typeface="Arial"/>
-              <a:buChar char="•"/>
-              <a:tabLst/>
-              <a:defRPr sz="2800" b="0" i="0" u="none" strike="noStrike" cap="none" spc="0" baseline="0">
-                <a:ln>
-                  <a:noFill/>
-                </a:ln>
-                <a:solidFill>
-                  <a:srgbClr val="000000"/>
-                </a:solidFill>
-                <a:uFillTx/>
-                <a:latin typeface="Tahoma"/>
-                <a:ea typeface="Tahoma"/>
-                <a:cs typeface="Tahoma"/>
-                <a:sym typeface="Tahoma"/>
-              </a:defRPr>
-            </a:lvl6pPr>
-            <a:lvl7pPr marL="3098800" marR="0" indent="-355600" algn="l" defTabSz="914400" rtl="0" latinLnBrk="0">
-              <a:lnSpc>
-                <a:spcPct val="90000"/>
-              </a:lnSpc>
-              <a:spcBef>
-                <a:spcPts val="1000"/>
-              </a:spcBef>
-              <a:spcAft>
-                <a:spcPts val="0"/>
-              </a:spcAft>
-              <a:buClrTx/>
-              <a:buSzPct val="100000"/>
-              <a:buFont typeface="Arial"/>
-              <a:buChar char="•"/>
-              <a:tabLst/>
-              <a:defRPr sz="2800" b="0" i="0" u="none" strike="noStrike" cap="none" spc="0" baseline="0">
-                <a:ln>
-                  <a:noFill/>
-                </a:ln>
-                <a:solidFill>
-                  <a:srgbClr val="000000"/>
-                </a:solidFill>
-                <a:uFillTx/>
-                <a:latin typeface="Tahoma"/>
-                <a:ea typeface="Tahoma"/>
-                <a:cs typeface="Tahoma"/>
-                <a:sym typeface="Tahoma"/>
-              </a:defRPr>
-            </a:lvl7pPr>
-            <a:lvl8pPr marL="3556000" marR="0" indent="-355600" algn="l" defTabSz="914400" rtl="0" latinLnBrk="0">
-              <a:lnSpc>
-                <a:spcPct val="90000"/>
-              </a:lnSpc>
-              <a:spcBef>
-                <a:spcPts val="1000"/>
-              </a:spcBef>
-              <a:spcAft>
-                <a:spcPts val="0"/>
-              </a:spcAft>
-              <a:buClrTx/>
-              <a:buSzPct val="100000"/>
-              <a:buFont typeface="Arial"/>
-              <a:buChar char="•"/>
-              <a:tabLst/>
-              <a:defRPr sz="2800" b="0" i="0" u="none" strike="noStrike" cap="none" spc="0" baseline="0">
-                <a:ln>
-                  <a:noFill/>
-                </a:ln>
-                <a:solidFill>
-                  <a:srgbClr val="000000"/>
-                </a:solidFill>
-                <a:uFillTx/>
-                <a:latin typeface="Tahoma"/>
-                <a:ea typeface="Tahoma"/>
-                <a:cs typeface="Tahoma"/>
-                <a:sym typeface="Tahoma"/>
-              </a:defRPr>
-            </a:lvl8pPr>
-            <a:lvl9pPr marL="4013200" marR="0" indent="-355600" algn="l" defTabSz="914400" rtl="0" latinLnBrk="0">
-              <a:lnSpc>
-                <a:spcPct val="90000"/>
-              </a:lnSpc>
-              <a:spcBef>
-                <a:spcPts val="1000"/>
-              </a:spcBef>
-              <a:spcAft>
-                <a:spcPts val="0"/>
-              </a:spcAft>
-              <a:buClrTx/>
-              <a:buSzPct val="100000"/>
-              <a:buFont typeface="Arial"/>
-              <a:buChar char="•"/>
-              <a:tabLst/>
-              <a:defRPr sz="2800" b="0" i="0" u="none" strike="noStrike" cap="none" spc="0" baseline="0">
-                <a:ln>
-                  <a:noFill/>
-                </a:ln>
-                <a:solidFill>
-                  <a:srgbClr val="000000"/>
-                </a:solidFill>
-                <a:uFillTx/>
-                <a:latin typeface="Tahoma"/>
-                <a:ea typeface="Tahoma"/>
-                <a:cs typeface="Tahoma"/>
-                <a:sym typeface="Tahoma"/>
-              </a:defRPr>
-            </a:lvl9pPr>
-          </a:lstStyle>
-          <a:p>
-            <a:pPr marL="0" indent="0" hangingPunct="1">
-              <a:buFont typeface="Arial"/>
-              <a:buNone/>
-            </a:pPr>
-            <a:r>
-              <a:rPr lang="nl-BE" sz="1600" b="1" dirty="0">
-                <a:solidFill>
-                  <a:schemeClr val="tx1"/>
-                </a:solidFill>
-              </a:rPr>
-              <a:t>Output: </a:t>
-            </a:r>
-          </a:p>
-          <a:p>
-            <a:pPr marL="0" indent="0" hangingPunct="1">
-              <a:buFont typeface="Arial"/>
-              <a:buNone/>
-            </a:pPr>
-            <a:r>
-              <a:rPr lang="en-US" sz="1600" dirty="0"/>
-              <a:t>Method 1 from Parent Class 1</a:t>
-            </a:r>
-          </a:p>
-          <a:p>
-            <a:pPr marL="0" indent="0" hangingPunct="1">
-              <a:buFont typeface="Arial"/>
-              <a:buNone/>
-            </a:pPr>
-            <a:endParaRPr lang="en-US" sz="1600" i="1" dirty="0"/>
-          </a:p>
-        </p:txBody>
-      </p:sp>
-      <p:sp>
-        <p:nvSpPr>
-          <p:cNvPr id="4" name="TextBox 3">
-            <a:extLst>
-              <a:ext uri="{FF2B5EF4-FFF2-40B4-BE49-F238E27FC236}">
-                <a16:creationId xmlns:a16="http://schemas.microsoft.com/office/drawing/2014/main" id="{3E10C03B-76CC-8AFF-F572-2539CF051C60}"/>
-              </a:ext>
-            </a:extLst>
-          </p:cNvPr>
-          <p:cNvSpPr txBox="1"/>
-          <p:nvPr/>
-        </p:nvSpPr>
-        <p:spPr>
-          <a:xfrm>
-            <a:off x="2390659" y="2930487"/>
-            <a:ext cx="4671153" cy="688018"/>
-          </a:xfrm>
-          <a:prstGeom prst="rect">
-            <a:avLst/>
-          </a:prstGeom>
-          <a:noFill/>
-          <a:ln w="57150">
-            <a:solidFill>
-              <a:srgbClr val="FF0000"/>
-            </a:solidFill>
-          </a:ln>
-        </p:spPr>
-        <p:txBody>
-          <a:bodyPr wrap="square" rtlCol="0">
-            <a:spAutoFit/>
-          </a:bodyPr>
-          <a:lstStyle/>
-          <a:p>
-            <a:endParaRPr lang="en-US" dirty="0"/>
-          </a:p>
-        </p:txBody>
-      </p:sp>
-      <p:graphicFrame>
-        <p:nvGraphicFramePr>
-          <p:cNvPr id="6" name="Table 10">
-            <a:extLst>
-              <a:ext uri="{FF2B5EF4-FFF2-40B4-BE49-F238E27FC236}">
-                <a16:creationId xmlns:a16="http://schemas.microsoft.com/office/drawing/2014/main" id="{0FCC3D6D-DDF9-B5A2-4280-F582620A05A5}"/>
-              </a:ext>
-            </a:extLst>
-          </p:cNvPr>
-          <p:cNvGraphicFramePr>
-            <a:graphicFrameLocks noGrp="1"/>
-          </p:cNvGraphicFramePr>
-          <p:nvPr>
-            <p:extLst>
-              <p:ext uri="{D42A27DB-BD31-4B8C-83A1-F6EECF244321}">
-                <p14:modId xmlns:p14="http://schemas.microsoft.com/office/powerpoint/2010/main" val="1441695048"/>
-              </p:ext>
-            </p:extLst>
-          </p:nvPr>
-        </p:nvGraphicFramePr>
-        <p:xfrm>
-          <a:off x="8113272" y="3906680"/>
-          <a:ext cx="3931722" cy="2720839"/>
-        </p:xfrm>
-        <a:graphic>
-          <a:graphicData uri="http://schemas.openxmlformats.org/drawingml/2006/table">
-            <a:tbl>
-              <a:tblPr firstRow="1" bandRow="1">
-                <a:tableStyleId>{5C22544A-7EE6-4342-B048-85BDC9FD1C3A}</a:tableStyleId>
-              </a:tblPr>
-              <a:tblGrid>
-                <a:gridCol w="3931722">
-                  <a:extLst>
-                    <a:ext uri="{9D8B030D-6E8A-4147-A177-3AD203B41FA5}">
-                      <a16:colId xmlns:a16="http://schemas.microsoft.com/office/drawing/2014/main" val="2767946564"/>
-                    </a:ext>
-                  </a:extLst>
-                </a:gridCol>
-              </a:tblGrid>
-              <a:tr h="434839">
-                <a:tc>
-                  <a:txBody>
-                    <a:bodyPr/>
-                    <a:lstStyle/>
-                    <a:p>
-                      <a:r>
-                        <a:rPr lang="en-US" sz="2000" b="1" kern="1200" dirty="0">
-                          <a:solidFill>
-                            <a:schemeClr val="bg1"/>
-                          </a:solidFill>
-                          <a:effectLst/>
-                          <a:latin typeface="+mn-lt"/>
-                          <a:ea typeface="+mn-ea"/>
-                          <a:cs typeface="+mn-cs"/>
-                        </a:rPr>
-                        <a:t>! Takeaway:</a:t>
-                      </a:r>
-                      <a:endParaRPr lang="en-US" sz="2000" b="1" dirty="0">
-                        <a:solidFill>
-                          <a:schemeClr val="bg1"/>
-                        </a:solidFill>
-                      </a:endParaRPr>
-                    </a:p>
-                  </a:txBody>
-                  <a:tcPr>
-                    <a:lnL w="12700" cap="flat" cmpd="sng" algn="ctr">
-                      <a:solidFill>
-                        <a:schemeClr val="tx1"/>
-                      </a:solidFill>
-                      <a:prstDash val="solid"/>
-                      <a:round/>
-                      <a:headEnd type="none" w="med" len="med"/>
-                      <a:tailEnd type="none" w="med" len="med"/>
-                    </a:lnL>
-                    <a:lnR w="12700" cap="flat" cmpd="sng" algn="ctr">
-                      <a:solidFill>
-                        <a:schemeClr val="tx1"/>
-                      </a:solidFill>
-                      <a:prstDash val="solid"/>
-                      <a:round/>
-                      <a:headEnd type="none" w="med" len="med"/>
-                      <a:tailEnd type="none" w="med" len="med"/>
-                    </a:lnR>
-                    <a:lnT w="12700" cap="flat" cmpd="sng" algn="ctr">
-                      <a:solidFill>
-                        <a:schemeClr val="tx1"/>
-                      </a:solidFill>
-                      <a:prstDash val="solid"/>
-                      <a:round/>
-                      <a:headEnd type="none" w="med" len="med"/>
-                      <a:tailEnd type="none" w="med" len="med"/>
-                    </a:lnT>
-                    <a:lnB w="12700" cap="flat" cmpd="sng" algn="ctr">
-                      <a:solidFill>
-                        <a:schemeClr val="tx1"/>
-                      </a:solidFill>
-                      <a:prstDash val="solid"/>
-                      <a:round/>
-                      <a:headEnd type="none" w="med" len="med"/>
-                      <a:tailEnd type="none" w="med" len="med"/>
-                    </a:lnB>
-                    <a:solidFill>
-                      <a:srgbClr val="6AB0DE"/>
-                    </a:solidFill>
-                  </a:tcPr>
-                </a:tc>
-                <a:extLst>
-                  <a:ext uri="{0D108BD9-81ED-4DB2-BD59-A6C34878D82A}">
-                    <a16:rowId xmlns:a16="http://schemas.microsoft.com/office/drawing/2014/main" val="1904865605"/>
-                  </a:ext>
-                </a:extLst>
-              </a:tr>
-              <a:tr h="1215000">
-                <a:tc>
-                  <a:txBody>
-                    <a:bodyPr/>
-                    <a:lstStyle/>
-                    <a:p>
-                      <a:r>
-                        <a:rPr lang="en-US" b="1" dirty="0">
-                          <a:solidFill>
-                            <a:schemeClr val="tx1"/>
-                          </a:solidFill>
-                        </a:rPr>
-                        <a:t>In Python, multiple inheritance follows the C3 linearization method which determines the order of method resolution. The class that appears first in the method resolution order will have its method executed in case of a name collision between two or more classes.</a:t>
-                      </a:r>
-                    </a:p>
-                  </a:txBody>
-                  <a:tcPr>
-                    <a:lnL w="12700" cap="flat" cmpd="sng" algn="ctr">
-                      <a:solidFill>
-                        <a:schemeClr val="tx1"/>
-                      </a:solidFill>
-                      <a:prstDash val="solid"/>
-                      <a:round/>
-                      <a:headEnd type="none" w="med" len="med"/>
-                      <a:tailEnd type="none" w="med" len="med"/>
-                    </a:lnL>
-                    <a:lnR w="12700" cap="flat" cmpd="sng" algn="ctr">
-                      <a:solidFill>
-                        <a:schemeClr val="tx1"/>
-                      </a:solidFill>
-                      <a:prstDash val="solid"/>
-                      <a:round/>
-                      <a:headEnd type="none" w="med" len="med"/>
-                      <a:tailEnd type="none" w="med" len="med"/>
-                    </a:lnR>
-                    <a:lnT w="12700" cap="flat" cmpd="sng" algn="ctr">
-                      <a:solidFill>
-                        <a:schemeClr val="tx1"/>
-                      </a:solidFill>
-                      <a:prstDash val="solid"/>
-                      <a:round/>
-                      <a:headEnd type="none" w="med" len="med"/>
-                      <a:tailEnd type="none" w="med" len="med"/>
-                    </a:lnT>
-                    <a:lnB w="12700" cap="flat" cmpd="sng" algn="ctr">
-                      <a:solidFill>
-                        <a:schemeClr val="tx1"/>
-                      </a:solidFill>
-                      <a:prstDash val="solid"/>
-                      <a:round/>
-                      <a:headEnd type="none" w="med" len="med"/>
-                      <a:tailEnd type="none" w="med" len="med"/>
-                    </a:lnB>
-                    <a:solidFill>
-                      <a:srgbClr val="E7F2FA"/>
-                    </a:solidFill>
-                  </a:tcPr>
-                </a:tc>
-                <a:extLst>
-                  <a:ext uri="{0D108BD9-81ED-4DB2-BD59-A6C34878D82A}">
-                    <a16:rowId xmlns:a16="http://schemas.microsoft.com/office/drawing/2014/main" val="1301655462"/>
-                  </a:ext>
-                </a:extLst>
-              </a:tr>
-            </a:tbl>
-          </a:graphicData>
-        </a:graphic>
-      </p:graphicFrame>
-      <p:sp>
-        <p:nvSpPr>
-          <p:cNvPr id="7" name="TextBox 6">
-            <a:extLst>
-              <a:ext uri="{FF2B5EF4-FFF2-40B4-BE49-F238E27FC236}">
-                <a16:creationId xmlns:a16="http://schemas.microsoft.com/office/drawing/2014/main" id="{E2DF9912-7B60-3782-98BE-D47FD0AEA93C}"/>
-              </a:ext>
-            </a:extLst>
-          </p:cNvPr>
-          <p:cNvSpPr txBox="1"/>
-          <p:nvPr/>
-        </p:nvSpPr>
-        <p:spPr>
-          <a:xfrm>
-            <a:off x="2390659" y="1676285"/>
-            <a:ext cx="4671153" cy="688018"/>
-          </a:xfrm>
-          <a:prstGeom prst="rect">
-            <a:avLst/>
-          </a:prstGeom>
-          <a:noFill/>
-          <a:ln w="57150">
-            <a:solidFill>
-              <a:srgbClr val="FF0000"/>
-            </a:solidFill>
-          </a:ln>
-        </p:spPr>
-        <p:txBody>
-          <a:bodyPr wrap="square" rtlCol="0">
-            <a:spAutoFit/>
-          </a:bodyPr>
-          <a:lstStyle/>
-          <a:p>
-            <a:endParaRPr lang="en-US" dirty="0"/>
-          </a:p>
-        </p:txBody>
-      </p:sp>
-      <p:cxnSp>
-        <p:nvCxnSpPr>
-          <p:cNvPr id="14" name="Straight Connector 13">
-            <a:extLst>
-              <a:ext uri="{FF2B5EF4-FFF2-40B4-BE49-F238E27FC236}">
-                <a16:creationId xmlns:a16="http://schemas.microsoft.com/office/drawing/2014/main" id="{7B06E8F4-C4C5-17CE-0F8C-81C98541FC84}"/>
-              </a:ext>
-            </a:extLst>
-          </p:cNvPr>
-          <p:cNvCxnSpPr/>
-          <p:nvPr/>
-        </p:nvCxnSpPr>
-        <p:spPr>
-          <a:xfrm>
-            <a:off x="3966633" y="4161367"/>
-            <a:ext cx="1253067" cy="0"/>
-          </a:xfrm>
-          <a:prstGeom prst="line">
-            <a:avLst/>
-          </a:prstGeom>
-          <a:ln w="57150">
-            <a:solidFill>
-              <a:srgbClr val="FF0000"/>
-            </a:solidFill>
-          </a:ln>
-        </p:spPr>
-        <p:style>
-          <a:lnRef idx="1">
-            <a:schemeClr val="accent1"/>
-          </a:lnRef>
-          <a:fillRef idx="0">
-            <a:schemeClr val="accent1"/>
-          </a:fillRef>
-          <a:effectRef idx="0">
-            <a:schemeClr val="accent1"/>
-          </a:effectRef>
-          <a:fontRef idx="minor">
-            <a:schemeClr val="tx1"/>
-          </a:fontRef>
-        </p:style>
-      </p:cxnSp>
-    </p:spTree>
-    <p:extLst>
-      <p:ext uri="{BB962C8B-B14F-4D97-AF65-F5344CB8AC3E}">
-        <p14:creationId xmlns:p14="http://schemas.microsoft.com/office/powerpoint/2010/main" val="378862282"/>
-      </p:ext>
-    </p:extLst>
-  </p:cSld>
-  <p:clrMapOvr>
-    <a:masterClrMapping/>
-  </p:clrMapOvr>
-  <p:timing>
-    <p:tnLst>
-      <p:par>
-        <p:cTn id="1" dur="indefinite" restart="never" nodeType="tmRoot">
-          <p:childTnLst>
-            <p:seq concurrent="1" nextAc="seek">
-              <p:cTn id="2" dur="indefinite" nodeType="mainSeq">
-                <p:childTnLst>
-                  <p:par>
-                    <p:cTn id="3" fill="hold">
-                      <p:stCondLst>
-                        <p:cond delay="indefinite"/>
-                      </p:stCondLst>
-                      <p:childTnLst>
-                        <p:par>
-                          <p:cTn id="4" fill="hold">
-                            <p:stCondLst>
-                              <p:cond delay="0"/>
-                            </p:stCondLst>
-                            <p:childTnLst>
-                              <p:par>
-                                <p:cTn id="5" presetID="10" presetClass="entr" presetSubtype="0" fill="hold" nodeType="clickEffect">
-                                  <p:stCondLst>
-                                    <p:cond delay="0"/>
-                                  </p:stCondLst>
-                                  <p:childTnLst>
-                                    <p:set>
-                                      <p:cBhvr>
-                                        <p:cTn id="6" dur="1" fill="hold">
-                                          <p:stCondLst>
-                                            <p:cond delay="0"/>
-                                          </p:stCondLst>
-                                        </p:cTn>
-                                        <p:tgtEl>
-                                          <p:spTgt spid="6"/>
-                                        </p:tgtEl>
-                                        <p:attrNameLst>
-                                          <p:attrName>style.visibility</p:attrName>
-                                        </p:attrNameLst>
-                                      </p:cBhvr>
-                                      <p:to>
-                                        <p:strVal val="visible"/>
-                                      </p:to>
-                                    </p:set>
-                                    <p:animEffect transition="in" filter="fade">
-                                      <p:cBhvr>
-                                        <p:cTn id="7" dur="500"/>
-                                        <p:tgtEl>
-                                          <p:spTgt spid="6"/>
-                                        </p:tgtEl>
-                                      </p:cBhvr>
-                                    </p:animEffect>
-                                  </p:childTnLst>
-                                </p:cTn>
-                              </p:par>
-                              <p:par>
-                                <p:cTn id="8" presetID="10" presetClass="entr" presetSubtype="0" fill="hold" grpId="0" nodeType="withEffect">
-                                  <p:stCondLst>
-                                    <p:cond delay="0"/>
-                                  </p:stCondLst>
-                                  <p:childTnLst>
-                                    <p:set>
-                                      <p:cBhvr>
-                                        <p:cTn id="9" dur="1" fill="hold">
-                                          <p:stCondLst>
-                                            <p:cond delay="0"/>
-                                          </p:stCondLst>
-                                        </p:cTn>
-                                        <p:tgtEl>
-                                          <p:spTgt spid="4"/>
-                                        </p:tgtEl>
-                                        <p:attrNameLst>
-                                          <p:attrName>style.visibility</p:attrName>
-                                        </p:attrNameLst>
-                                      </p:cBhvr>
-                                      <p:to>
-                                        <p:strVal val="visible"/>
-                                      </p:to>
-                                    </p:set>
-                                    <p:animEffect transition="in" filter="fade">
-                                      <p:cBhvr>
-                                        <p:cTn id="10" dur="500"/>
-                                        <p:tgtEl>
-                                          <p:spTgt spid="4"/>
-                                        </p:tgtEl>
-                                      </p:cBhvr>
-                                    </p:animEffect>
-                                  </p:childTnLst>
-                                </p:cTn>
-                              </p:par>
-                              <p:par>
-                                <p:cTn id="11" presetID="10" presetClass="entr" presetSubtype="0" fill="hold" grpId="0" nodeType="withEffect">
-                                  <p:stCondLst>
-                                    <p:cond delay="0"/>
-                                  </p:stCondLst>
-                                  <p:childTnLst>
-                                    <p:set>
-                                      <p:cBhvr>
-                                        <p:cTn id="12" dur="1" fill="hold">
-                                          <p:stCondLst>
-                                            <p:cond delay="0"/>
-                                          </p:stCondLst>
-                                        </p:cTn>
-                                        <p:tgtEl>
-                                          <p:spTgt spid="7"/>
-                                        </p:tgtEl>
-                                        <p:attrNameLst>
-                                          <p:attrName>style.visibility</p:attrName>
-                                        </p:attrNameLst>
-                                      </p:cBhvr>
-                                      <p:to>
-                                        <p:strVal val="visible"/>
-                                      </p:to>
-                                    </p:set>
-                                    <p:animEffect transition="in" filter="fade">
-                                      <p:cBhvr>
-                                        <p:cTn id="13" dur="500"/>
-                                        <p:tgtEl>
-                                          <p:spTgt spid="7"/>
-                                        </p:tgtEl>
-                                      </p:cBhvr>
-                                    </p:animEffect>
-                                  </p:childTnLst>
-                                </p:cTn>
-                              </p:par>
-                              <p:par>
-                                <p:cTn id="14" presetID="10" presetClass="entr" presetSubtype="0" fill="hold" nodeType="withEffect">
-                                  <p:stCondLst>
-                                    <p:cond delay="0"/>
-                                  </p:stCondLst>
-                                  <p:childTnLst>
-                                    <p:set>
-                                      <p:cBhvr>
-                                        <p:cTn id="15" dur="1" fill="hold">
-                                          <p:stCondLst>
-                                            <p:cond delay="0"/>
-                                          </p:stCondLst>
-                                        </p:cTn>
-                                        <p:tgtEl>
-                                          <p:spTgt spid="14"/>
-                                        </p:tgtEl>
-                                        <p:attrNameLst>
-                                          <p:attrName>style.visibility</p:attrName>
-                                        </p:attrNameLst>
-                                      </p:cBhvr>
-                                      <p:to>
-                                        <p:strVal val="visible"/>
-                                      </p:to>
-                                    </p:set>
-                                    <p:animEffect transition="in" filter="fade">
-                                      <p:cBhvr>
-                                        <p:cTn id="16" dur="500"/>
-                                        <p:tgtEl>
-                                          <p:spTgt spid="14"/>
-                                        </p:tgtEl>
-                                      </p:cBhvr>
-                                    </p:animEffect>
-                                  </p:childTnLst>
-                                </p:cTn>
-                              </p:par>
-                            </p:childTnLst>
-                          </p:cTn>
-                        </p:par>
-                      </p:childTnLst>
-                    </p:cTn>
-                  </p:par>
-                </p:childTnLst>
-              </p:cTn>
-              <p:prevCondLst>
-                <p:cond evt="onPrev" delay="0">
-                  <p:tgtEl>
-                    <p:sldTgt/>
-                  </p:tgtEl>
-                </p:cond>
-              </p:prevCondLst>
-              <p:nextCondLst>
-                <p:cond evt="onNext" delay="0">
-                  <p:tgtEl>
-                    <p:sldTgt/>
-                  </p:tgtEl>
-                </p:cond>
-              </p:nextCondLst>
-            </p:seq>
-          </p:childTnLst>
-        </p:cTn>
-      </p:par>
-    </p:tnLst>
-    <p:bldLst>
-      <p:bldP spid="4" grpId="0" animBg="1"/>
-      <p:bldP spid="7" grpId="0" animBg="1"/>
-    </p:bldLst>
-  </p:timing>
-</p:sld>
-</file>
-
-<file path=ppt/slides/slide24.xml><?xml version="1.0" encoding="utf-8"?>
-<p:sld xmlns:a="http://schemas.openxmlformats.org/drawingml/2006/main" xmlns:r="http://schemas.openxmlformats.org/officeDocument/2006/relationships" xmlns:p="http://schemas.openxmlformats.org/presentationml/2006/main">
-  <p:cSld>
-    <p:spTree>
-      <p:nvGrpSpPr>
-        <p:cNvPr id="1" name=""/>
-        <p:cNvGrpSpPr/>
-        <p:nvPr/>
-      </p:nvGrpSpPr>
-      <p:grpSpPr>
-        <a:xfrm>
-          <a:off x="0" y="0"/>
-          <a:ext cx="0" cy="0"/>
-          <a:chOff x="0" y="0"/>
-          <a:chExt cx="0" cy="0"/>
-        </a:xfrm>
-      </p:grpSpPr>
-      <p:sp>
-        <p:nvSpPr>
-          <p:cNvPr id="2" name="Title 1">
-            <a:extLst>
-              <a:ext uri="{FF2B5EF4-FFF2-40B4-BE49-F238E27FC236}">
-                <a16:creationId xmlns:a16="http://schemas.microsoft.com/office/drawing/2014/main" id="{30AF865A-8181-4DAA-A1EF-5D642527395C}"/>
-              </a:ext>
-            </a:extLst>
-          </p:cNvPr>
-          <p:cNvSpPr>
-            <a:spLocks noGrp="1"/>
-          </p:cNvSpPr>
-          <p:nvPr>
-            <p:ph type="title"/>
-          </p:nvPr>
-        </p:nvSpPr>
-        <p:spPr/>
-        <p:txBody>
-          <a:bodyPr/>
-          <a:lstStyle/>
-          <a:p>
-            <a:r>
-              <a:rPr lang="en-US" b="1" i="0" dirty="0">
-                <a:solidFill>
-                  <a:srgbClr val="404040"/>
-                </a:solidFill>
-                <a:effectLst/>
-                <a:latin typeface="Roboto Slab" pitchFamily="2" charset="0"/>
-              </a:rPr>
-              <a:t>Content table </a:t>
-            </a:r>
-            <a:endParaRPr lang="en-US" b="1" dirty="0"/>
-          </a:p>
-        </p:txBody>
-      </p:sp>
-      <p:sp>
-        <p:nvSpPr>
-          <p:cNvPr id="3" name="Text Placeholder 2">
-            <a:extLst>
-              <a:ext uri="{FF2B5EF4-FFF2-40B4-BE49-F238E27FC236}">
-                <a16:creationId xmlns:a16="http://schemas.microsoft.com/office/drawing/2014/main" id="{3FF93CCA-E9DD-47C9-8EE0-1190EA64BA3D}"/>
-              </a:ext>
-            </a:extLst>
-          </p:cNvPr>
-          <p:cNvSpPr txBox="1">
-            <a:spLocks/>
-          </p:cNvSpPr>
-          <p:nvPr/>
-        </p:nvSpPr>
-        <p:spPr>
-          <a:xfrm>
-            <a:off x="838200" y="1690688"/>
-            <a:ext cx="9948334" cy="5032375"/>
-          </a:xfrm>
-          <a:prstGeom prst="rect">
-            <a:avLst/>
-          </a:prstGeom>
-        </p:spPr>
-        <p:txBody>
-          <a:bodyPr>
-            <a:normAutofit/>
-          </a:bodyPr>
-          <a:lstStyle>
-            <a:lvl1pPr marL="228600" indent="-228600" algn="l" defTabSz="914400" rtl="0" eaLnBrk="1" latinLnBrk="0" hangingPunct="1">
-              <a:lnSpc>
-                <a:spcPct val="90000"/>
-              </a:lnSpc>
-              <a:spcBef>
-                <a:spcPts val="1000"/>
-              </a:spcBef>
-              <a:buFont typeface="Arial" panose="020B0604020202020204" pitchFamily="34" charset="0"/>
-              <a:buChar char="•"/>
-              <a:defRPr sz="2800" kern="1200">
-                <a:solidFill>
-                  <a:schemeClr val="tx1"/>
-                </a:solidFill>
-                <a:latin typeface="+mn-lt"/>
-                <a:ea typeface="+mn-ea"/>
-                <a:cs typeface="+mn-cs"/>
-              </a:defRPr>
-            </a:lvl1pPr>
-            <a:lvl2pPr marL="685800" indent="-228600" algn="l" defTabSz="914400" rtl="0" eaLnBrk="1" latinLnBrk="0" hangingPunct="1">
-              <a:lnSpc>
-                <a:spcPct val="90000"/>
-              </a:lnSpc>
-              <a:spcBef>
-                <a:spcPts val="500"/>
-              </a:spcBef>
-              <a:buFont typeface="Arial" panose="020B0604020202020204" pitchFamily="34" charset="0"/>
-              <a:buChar char="•"/>
-              <a:defRPr sz="2400" kern="1200">
-                <a:solidFill>
-                  <a:schemeClr val="tx1"/>
-                </a:solidFill>
-                <a:latin typeface="+mn-lt"/>
-                <a:ea typeface="+mn-ea"/>
-                <a:cs typeface="+mn-cs"/>
-              </a:defRPr>
-            </a:lvl2pPr>
-            <a:lvl3pPr marL="1143000" indent="-228600" algn="l" defTabSz="914400" rtl="0" eaLnBrk="1" latinLnBrk="0" hangingPunct="1">
-              <a:lnSpc>
-                <a:spcPct val="90000"/>
-              </a:lnSpc>
-              <a:spcBef>
-                <a:spcPts val="500"/>
-              </a:spcBef>
-              <a:buFont typeface="Arial" panose="020B0604020202020204" pitchFamily="34" charset="0"/>
-              <a:buChar char="•"/>
-              <a:defRPr sz="2000" kern="1200">
-                <a:solidFill>
-                  <a:schemeClr val="tx1"/>
-                </a:solidFill>
-                <a:latin typeface="+mn-lt"/>
-                <a:ea typeface="+mn-ea"/>
-                <a:cs typeface="+mn-cs"/>
-              </a:defRPr>
-            </a:lvl3pPr>
-            <a:lvl4pPr marL="1600200" indent="-228600" algn="l" defTabSz="914400" rtl="0" eaLnBrk="1" latinLnBrk="0" hangingPunct="1">
-              <a:lnSpc>
-                <a:spcPct val="90000"/>
-              </a:lnSpc>
-              <a:spcBef>
-                <a:spcPts val="500"/>
-              </a:spcBef>
-              <a:buFont typeface="Arial" panose="020B0604020202020204" pitchFamily="34" charset="0"/>
-              <a:buChar char="•"/>
-              <a:defRPr sz="1800" kern="1200">
-                <a:solidFill>
-                  <a:schemeClr val="tx1"/>
-                </a:solidFill>
-                <a:latin typeface="+mn-lt"/>
-                <a:ea typeface="+mn-ea"/>
-                <a:cs typeface="+mn-cs"/>
-              </a:defRPr>
-            </a:lvl4pPr>
-            <a:lvl5pPr marL="2057400" indent="-228600" algn="l" defTabSz="914400" rtl="0" eaLnBrk="1" latinLnBrk="0" hangingPunct="1">
-              <a:lnSpc>
-                <a:spcPct val="90000"/>
-              </a:lnSpc>
-              <a:spcBef>
-                <a:spcPts val="500"/>
-              </a:spcBef>
-              <a:buFont typeface="Arial" panose="020B0604020202020204" pitchFamily="34" charset="0"/>
-              <a:buChar char="•"/>
-              <a:defRPr sz="1800" kern="1200">
-                <a:solidFill>
-                  <a:schemeClr val="tx1"/>
-                </a:solidFill>
-                <a:latin typeface="+mn-lt"/>
-                <a:ea typeface="+mn-ea"/>
-                <a:cs typeface="+mn-cs"/>
-              </a:defRPr>
-            </a:lvl5pPr>
-            <a:lvl6pPr marL="2514600" indent="-228600" algn="l" defTabSz="914400" rtl="0" eaLnBrk="1" latinLnBrk="0" hangingPunct="1">
-              <a:lnSpc>
-                <a:spcPct val="90000"/>
-              </a:lnSpc>
-              <a:spcBef>
-                <a:spcPts val="500"/>
-              </a:spcBef>
-              <a:buFont typeface="Arial" panose="020B0604020202020204" pitchFamily="34" charset="0"/>
-              <a:buChar char="•"/>
-              <a:defRPr sz="1800" kern="1200">
-                <a:solidFill>
-                  <a:schemeClr val="tx1"/>
-                </a:solidFill>
-                <a:latin typeface="+mn-lt"/>
-                <a:ea typeface="+mn-ea"/>
-                <a:cs typeface="+mn-cs"/>
-              </a:defRPr>
-            </a:lvl6pPr>
-            <a:lvl7pPr marL="2971800" indent="-228600" algn="l" defTabSz="914400" rtl="0" eaLnBrk="1" latinLnBrk="0" hangingPunct="1">
-              <a:lnSpc>
-                <a:spcPct val="90000"/>
-              </a:lnSpc>
-              <a:spcBef>
-                <a:spcPts val="500"/>
-              </a:spcBef>
-              <a:buFont typeface="Arial" panose="020B0604020202020204" pitchFamily="34" charset="0"/>
-              <a:buChar char="•"/>
-              <a:defRPr sz="1800" kern="1200">
-                <a:solidFill>
-                  <a:schemeClr val="tx1"/>
-                </a:solidFill>
-                <a:latin typeface="+mn-lt"/>
-                <a:ea typeface="+mn-ea"/>
-                <a:cs typeface="+mn-cs"/>
-              </a:defRPr>
-            </a:lvl7pPr>
-            <a:lvl8pPr marL="3429000" indent="-228600" algn="l" defTabSz="914400" rtl="0" eaLnBrk="1" latinLnBrk="0" hangingPunct="1">
-              <a:lnSpc>
-                <a:spcPct val="90000"/>
-              </a:lnSpc>
-              <a:spcBef>
-                <a:spcPts val="500"/>
-              </a:spcBef>
-              <a:buFont typeface="Arial" panose="020B0604020202020204" pitchFamily="34" charset="0"/>
-              <a:buChar char="•"/>
-              <a:defRPr sz="1800" kern="1200">
-                <a:solidFill>
-                  <a:schemeClr val="tx1"/>
-                </a:solidFill>
-                <a:latin typeface="+mn-lt"/>
-                <a:ea typeface="+mn-ea"/>
-                <a:cs typeface="+mn-cs"/>
-              </a:defRPr>
-            </a:lvl8pPr>
-            <a:lvl9pPr marL="3886200" indent="-228600" algn="l" defTabSz="914400" rtl="0" eaLnBrk="1" latinLnBrk="0" hangingPunct="1">
-              <a:lnSpc>
-                <a:spcPct val="90000"/>
-              </a:lnSpc>
-              <a:spcBef>
-                <a:spcPts val="500"/>
-              </a:spcBef>
-              <a:buFont typeface="Arial" panose="020B0604020202020204" pitchFamily="34" charset="0"/>
-              <a:buChar char="•"/>
-              <a:defRPr sz="1800" kern="1200">
-                <a:solidFill>
-                  <a:schemeClr val="tx1"/>
-                </a:solidFill>
-                <a:latin typeface="+mn-lt"/>
-                <a:ea typeface="+mn-ea"/>
-                <a:cs typeface="+mn-cs"/>
-              </a:defRPr>
-            </a:lvl9pPr>
-          </a:lstStyle>
-          <a:p>
-            <a:r>
-              <a:rPr lang="nl-BE" dirty="0" err="1">
-                <a:solidFill>
-                  <a:schemeClr val="bg2">
-                    <a:lumMod val="90000"/>
-                  </a:schemeClr>
-                </a:solidFill>
-              </a:rPr>
-              <a:t>What</a:t>
-            </a:r>
-            <a:r>
-              <a:rPr lang="nl-BE" dirty="0">
-                <a:solidFill>
-                  <a:schemeClr val="bg2">
-                    <a:lumMod val="90000"/>
-                  </a:schemeClr>
-                </a:solidFill>
-              </a:rPr>
-              <a:t> is </a:t>
-            </a:r>
-            <a:r>
-              <a:rPr lang="nl-BE" dirty="0" err="1">
-                <a:solidFill>
-                  <a:schemeClr val="bg2">
-                    <a:lumMod val="90000"/>
-                  </a:schemeClr>
-                </a:solidFill>
-              </a:rPr>
-              <a:t>inheritance</a:t>
-            </a:r>
-            <a:r>
-              <a:rPr lang="nl-BE" dirty="0">
-                <a:solidFill>
-                  <a:schemeClr val="bg2">
-                    <a:lumMod val="90000"/>
-                  </a:schemeClr>
-                </a:solidFill>
-              </a:rPr>
-              <a:t>?</a:t>
-            </a:r>
-          </a:p>
-          <a:p>
-            <a:r>
-              <a:rPr lang="nl-BE" dirty="0" err="1">
-                <a:solidFill>
-                  <a:schemeClr val="bg2"/>
-                </a:solidFill>
-              </a:rPr>
-              <a:t>Why</a:t>
-            </a:r>
-            <a:r>
-              <a:rPr lang="nl-BE" dirty="0">
-                <a:solidFill>
-                  <a:schemeClr val="bg2"/>
-                </a:solidFill>
-              </a:rPr>
-              <a:t> </a:t>
-            </a:r>
-            <a:r>
-              <a:rPr lang="nl-BE" dirty="0" err="1">
-                <a:solidFill>
-                  <a:schemeClr val="bg2"/>
-                </a:solidFill>
-              </a:rPr>
-              <a:t>use</a:t>
-            </a:r>
-            <a:r>
-              <a:rPr lang="nl-BE" dirty="0">
-                <a:solidFill>
-                  <a:schemeClr val="bg2"/>
-                </a:solidFill>
-              </a:rPr>
-              <a:t> </a:t>
-            </a:r>
-            <a:r>
-              <a:rPr lang="nl-BE" dirty="0" err="1">
-                <a:solidFill>
-                  <a:schemeClr val="bg2"/>
-                </a:solidFill>
-              </a:rPr>
-              <a:t>inheritance</a:t>
-            </a:r>
-            <a:r>
-              <a:rPr lang="nl-BE" dirty="0">
-                <a:solidFill>
-                  <a:schemeClr val="bg2"/>
-                </a:solidFill>
-              </a:rPr>
-              <a:t>?</a:t>
-            </a:r>
-          </a:p>
-          <a:p>
-            <a:r>
-              <a:rPr lang="nl-BE" dirty="0" err="1">
-                <a:solidFill>
-                  <a:schemeClr val="bg2"/>
-                </a:solidFill>
-              </a:rPr>
-              <a:t>Example</a:t>
-            </a:r>
-            <a:r>
-              <a:rPr lang="nl-BE" dirty="0">
-                <a:solidFill>
-                  <a:schemeClr val="bg2"/>
-                </a:solidFill>
-              </a:rPr>
-              <a:t> code </a:t>
-            </a:r>
-            <a:r>
-              <a:rPr lang="nl-BE" dirty="0" err="1">
-                <a:solidFill>
-                  <a:schemeClr val="bg2"/>
-                </a:solidFill>
-              </a:rPr>
-              <a:t>inheritance</a:t>
-            </a:r>
-            <a:endParaRPr lang="nl-BE" dirty="0">
-              <a:solidFill>
-                <a:schemeClr val="bg2"/>
-              </a:solidFill>
-            </a:endParaRPr>
-          </a:p>
-          <a:p>
-            <a:r>
-              <a:rPr lang="nl-BE" dirty="0" err="1">
-                <a:solidFill>
-                  <a:schemeClr val="bg2"/>
-                </a:solidFill>
-              </a:rPr>
-              <a:t>Excercise</a:t>
-            </a:r>
-            <a:r>
-              <a:rPr lang="nl-BE" dirty="0">
-                <a:solidFill>
-                  <a:schemeClr val="bg2"/>
-                </a:solidFill>
-              </a:rPr>
-              <a:t> </a:t>
-            </a:r>
-            <a:r>
-              <a:rPr lang="nl-BE" dirty="0" err="1">
-                <a:solidFill>
-                  <a:schemeClr val="bg2"/>
-                </a:solidFill>
-              </a:rPr>
-              <a:t>inheritance</a:t>
-            </a:r>
-            <a:endParaRPr lang="nl-BE" dirty="0">
-              <a:solidFill>
-                <a:schemeClr val="bg2"/>
-              </a:solidFill>
-            </a:endParaRPr>
-          </a:p>
-          <a:p>
-            <a:r>
-              <a:rPr lang="nl-BE" dirty="0">
-                <a:solidFill>
-                  <a:schemeClr val="bg2">
-                    <a:lumMod val="90000"/>
-                  </a:schemeClr>
-                </a:solidFill>
-              </a:rPr>
-              <a:t>Multiple </a:t>
-            </a:r>
-            <a:r>
-              <a:rPr lang="nl-BE" dirty="0" err="1">
-                <a:solidFill>
-                  <a:schemeClr val="bg2">
-                    <a:lumMod val="90000"/>
-                  </a:schemeClr>
-                </a:solidFill>
-              </a:rPr>
-              <a:t>inheritance</a:t>
-            </a:r>
-            <a:endParaRPr lang="nl-BE" dirty="0">
-              <a:solidFill>
-                <a:schemeClr val="bg2"/>
-              </a:solidFill>
-            </a:endParaRPr>
-          </a:p>
-          <a:p>
-            <a:r>
               <a:rPr lang="nl-BE" dirty="0" err="1"/>
               <a:t>What</a:t>
             </a:r>
@@ -27673,7 +25031,7 @@
 </p:sld>
 </file>
 
-<file path=ppt/slides/slide25.xml><?xml version="1.0" encoding="utf-8"?>
+<file path=ppt/slides/slide22.xml><?xml version="1.0" encoding="utf-8"?>
 <p:sld xmlns:a="http://schemas.openxmlformats.org/drawingml/2006/main" xmlns:r="http://schemas.openxmlformats.org/officeDocument/2006/relationships" xmlns:p="http://schemas.openxmlformats.org/presentationml/2006/main">
   <p:cSld>
     <p:spTree>
@@ -28885,7 +26243,7 @@
 </p:sld>
 </file>
 
-<file path=ppt/slides/slide26.xml><?xml version="1.0" encoding="utf-8"?>
+<file path=ppt/slides/slide23.xml><?xml version="1.0" encoding="utf-8"?>
 <p:sld xmlns:a="http://schemas.openxmlformats.org/drawingml/2006/main" xmlns:r="http://schemas.openxmlformats.org/officeDocument/2006/relationships" xmlns:p="http://schemas.openxmlformats.org/presentationml/2006/main">
   <p:cSld>
     <p:spTree>
@@ -29542,7 +26900,7 @@
           </a:ln>
           <a:extLst>
             <a:ext uri="{C572A759-6A51-4108-AA02-DFA0A04FC94B}">
-              <ma14:wrappingTextBoxFlag xmlns="" xmlns:ma14="http://schemas.microsoft.com/office/mac/drawingml/2011/main" val="1"/>
+              <ma14:wrappingTextBoxFlag xmlns:ma14="http://schemas.microsoft.com/office/mac/drawingml/2011/main" xmlns="" val="1"/>
             </a:ext>
           </a:extLst>
         </p:spPr>
@@ -30354,7 +27712,7 @@
 </p:sld>
 </file>
 
-<file path=ppt/slides/slide27.xml><?xml version="1.0" encoding="utf-8"?>
+<file path=ppt/slides/slide24.xml><?xml version="1.0" encoding="utf-8"?>
 <p:sld xmlns:a="http://schemas.openxmlformats.org/drawingml/2006/main" xmlns:r="http://schemas.openxmlformats.org/officeDocument/2006/relationships" xmlns:p="http://schemas.openxmlformats.org/presentationml/2006/main">
   <p:cSld>
     <p:spTree>
@@ -30983,7 +28341,7 @@
           </a:ln>
           <a:extLst>
             <a:ext uri="{C572A759-6A51-4108-AA02-DFA0A04FC94B}">
-              <ma14:wrappingTextBoxFlag xmlns="" xmlns:ma14="http://schemas.microsoft.com/office/mac/drawingml/2011/main" val="1"/>
+              <ma14:wrappingTextBoxFlag xmlns:ma14="http://schemas.microsoft.com/office/mac/drawingml/2011/main" xmlns="" val="1"/>
             </a:ext>
           </a:extLst>
         </p:spPr>
@@ -31545,7 +28903,7 @@
           </a:ln>
           <a:extLst>
             <a:ext uri="{C572A759-6A51-4108-AA02-DFA0A04FC94B}">
-              <ma14:wrappingTextBoxFlag xmlns="" xmlns:ma14="http://schemas.microsoft.com/office/mac/drawingml/2011/main" val="1"/>
+              <ma14:wrappingTextBoxFlag xmlns:ma14="http://schemas.microsoft.com/office/mac/drawingml/2011/main" xmlns="" val="1"/>
             </a:ext>
           </a:extLst>
         </p:spPr>
@@ -31885,7 +29243,7 @@
           </a:ln>
           <a:extLst>
             <a:ext uri="{C572A759-6A51-4108-AA02-DFA0A04FC94B}">
-              <ma14:wrappingTextBoxFlag xmlns="" xmlns:ma14="http://schemas.microsoft.com/office/mac/drawingml/2011/main" val="1"/>
+              <ma14:wrappingTextBoxFlag xmlns:ma14="http://schemas.microsoft.com/office/mac/drawingml/2011/main" xmlns="" val="1"/>
             </a:ext>
           </a:extLst>
         </p:spPr>
@@ -32611,7 +29969,7 @@
 </p:sld>
 </file>
 
-<file path=ppt/slides/slide28.xml><?xml version="1.0" encoding="utf-8"?>
+<file path=ppt/slides/slide25.xml><?xml version="1.0" encoding="utf-8"?>
 <p:sld xmlns:a="http://schemas.openxmlformats.org/drawingml/2006/main" xmlns:r="http://schemas.openxmlformats.org/officeDocument/2006/relationships" xmlns:p="http://schemas.openxmlformats.org/presentationml/2006/main">
   <p:cSld>
     <p:spTree>
@@ -33572,7 +30930,7 @@
           </a:ln>
           <a:extLst>
             <a:ext uri="{C572A759-6A51-4108-AA02-DFA0A04FC94B}">
-              <ma14:wrappingTextBoxFlag xmlns="" xmlns:ma14="http://schemas.microsoft.com/office/mac/drawingml/2011/main" val="1"/>
+              <ma14:wrappingTextBoxFlag xmlns:ma14="http://schemas.microsoft.com/office/mac/drawingml/2011/main" xmlns="" val="1"/>
             </a:ext>
           </a:extLst>
         </p:spPr>
@@ -34533,7 +31891,7 @@
           </a:ln>
           <a:extLst>
             <a:ext uri="{C572A759-6A51-4108-AA02-DFA0A04FC94B}">
-              <ma14:wrappingTextBoxFlag xmlns="" xmlns:ma14="http://schemas.microsoft.com/office/mac/drawingml/2011/main" val="1"/>
+              <ma14:wrappingTextBoxFlag xmlns:ma14="http://schemas.microsoft.com/office/mac/drawingml/2011/main" xmlns="" val="1"/>
             </a:ext>
           </a:extLst>
         </p:spPr>
@@ -35652,17 +33010,6 @@
           </a:p>
           <a:p>
             <a:r>
-              <a:rPr lang="nl-BE" dirty="0"/>
-              <a:t>Multiple </a:t>
-            </a:r>
-            <a:r>
-              <a:rPr lang="nl-BE" dirty="0" err="1"/>
-              <a:t>inheritance</a:t>
-            </a:r>
-            <a:endParaRPr lang="nl-BE" dirty="0"/>
-          </a:p>
-          <a:p>
-            <a:r>
               <a:rPr lang="nl-BE" dirty="0" err="1"/>
               <a:t>What</a:t>
             </a:r>
@@ -36076,35 +33423,6 @@
                 </a:solidFill>
               </a:rPr>
               <a:t> </a:t>
-            </a:r>
-            <a:r>
-              <a:rPr lang="nl-BE" dirty="0" err="1">
-                <a:solidFill>
-                  <a:schemeClr val="bg2">
-                    <a:lumMod val="90000"/>
-                  </a:schemeClr>
-                </a:solidFill>
-              </a:rPr>
-              <a:t>inheritance</a:t>
-            </a:r>
-            <a:endParaRPr lang="nl-BE" dirty="0">
-              <a:solidFill>
-                <a:schemeClr val="bg2">
-                  <a:lumMod val="90000"/>
-                </a:schemeClr>
-              </a:solidFill>
-            </a:endParaRPr>
-          </a:p>
-          <a:p>
-            <a:r>
-              <a:rPr lang="nl-BE" dirty="0">
-                <a:solidFill>
-                  <a:schemeClr val="bg2">
-                    <a:lumMod val="90000"/>
-                  </a:schemeClr>
-                </a:solidFill>
-              </a:rPr>
-              <a:t>Multiple </a:t>
             </a:r>
             <a:r>
               <a:rPr lang="nl-BE" dirty="0" err="1">
@@ -36891,6 +34209,15 @@
 </file>
 
 <file path=customXml/item1.xml><?xml version="1.0" encoding="utf-8"?>
+<?mso-contentType ?>
+<FormTemplates xmlns="http://schemas.microsoft.com/sharepoint/v3/contenttype/forms">
+  <Display>DocumentLibraryForm</Display>
+  <Edit>DocumentLibraryForm</Edit>
+  <New>DocumentLibraryForm</New>
+</FormTemplates>
+</file>
+
+<file path=customXml/item2.xml><?xml version="1.0" encoding="utf-8"?>
 <ct:contentTypeSchema xmlns:ct="http://schemas.microsoft.com/office/2006/metadata/contentType" xmlns:ma="http://schemas.microsoft.com/office/2006/metadata/properties/metaAttributes" ct:_="" ma:_="" ma:contentTypeName="Document" ma:contentTypeID="0x010100F1325F46957A7D4694A8ACC888AA2621" ma:contentTypeVersion="7" ma:contentTypeDescription="Een nieuw document maken." ma:contentTypeScope="" ma:versionID="14c5700b56297cf9c66eff42b9f64bd4">
   <xsd:schema xmlns:xsd="http://www.w3.org/2001/XMLSchema" xmlns:xs="http://www.w3.org/2001/XMLSchema" xmlns:p="http://schemas.microsoft.com/office/2006/metadata/properties" xmlns:ns2="9b614674-bb2d-4c45-94ea-39f42762d3ae" targetNamespace="http://schemas.microsoft.com/office/2006/metadata/properties" ma:root="true" ma:fieldsID="4e421ba7028bb8b9c0acf45abfb7d816" ns2:_="">
     <xsd:import namespace="9b614674-bb2d-4c45-94ea-39f42762d3ae"/>
@@ -37050,15 +34377,6 @@
 </ct:contentTypeSchema>
 </file>
 
-<file path=customXml/item2.xml><?xml version="1.0" encoding="utf-8"?>
-<?mso-contentType ?>
-<FormTemplates xmlns="http://schemas.microsoft.com/sharepoint/v3/contenttype/forms">
-  <Display>DocumentLibraryForm</Display>
-  <Edit>DocumentLibraryForm</Edit>
-  <New>DocumentLibraryForm</New>
-</FormTemplates>
-</file>
-
 <file path=customXml/item3.xml><?xml version="1.0" encoding="utf-8"?>
 <p:properties xmlns:p="http://schemas.microsoft.com/office/2006/metadata/properties" xmlns:xsi="http://www.w3.org/2001/XMLSchema-instance" xmlns:pc="http://schemas.microsoft.com/office/infopath/2007/PartnerControls">
   <documentManagement>
@@ -37070,6 +34388,14 @@
 </file>
 
 <file path=customXml/itemProps1.xml><?xml version="1.0" encoding="utf-8"?>
+<ds:datastoreItem xmlns:ds="http://schemas.openxmlformats.org/officeDocument/2006/customXml" ds:itemID="{126BFA21-774C-45F5-BE3E-541B29302740}">
+  <ds:schemaRefs>
+    <ds:schemaRef ds:uri="http://schemas.microsoft.com/sharepoint/v3/contenttype/forms"/>
+  </ds:schemaRefs>
+</ds:datastoreItem>
+</file>
+
+<file path=customXml/itemProps2.xml><?xml version="1.0" encoding="utf-8"?>
 <ds:datastoreItem xmlns:ds="http://schemas.openxmlformats.org/officeDocument/2006/customXml" ds:itemID="{CDDBE3B0-F9E2-412D-9C85-6D1F6264D44A}">
   <ds:schemaRefs>
     <ds:schemaRef ds:uri="http://schemas.microsoft.com/office/2006/metadata/contentType"/>
@@ -37087,14 +34413,6 @@
 </ds:datastoreItem>
 </file>
 
-<file path=customXml/itemProps2.xml><?xml version="1.0" encoding="utf-8"?>
-<ds:datastoreItem xmlns:ds="http://schemas.openxmlformats.org/officeDocument/2006/customXml" ds:itemID="{126BFA21-774C-45F5-BE3E-541B29302740}">
-  <ds:schemaRefs>
-    <ds:schemaRef ds:uri="http://schemas.microsoft.com/sharepoint/v3/contenttype/forms"/>
-  </ds:schemaRefs>
-</ds:datastoreItem>
-</file>
-
 <file path=customXml/itemProps3.xml><?xml version="1.0" encoding="utf-8"?>
 <ds:datastoreItem xmlns:ds="http://schemas.openxmlformats.org/officeDocument/2006/customXml" ds:itemID="{4B4D6183-A0C2-41B9-BD62-0CD29AC5B1EF}">
   <ds:schemaRefs>
